--- a/Presentation/MES_NEY.pptx
+++ b/Presentation/MES_NEY.pptx
@@ -5,7 +5,7 @@
     <p:sldMasterId id="2147483648" r:id="rId1"/>
   </p:sldMasterIdLst>
   <p:notesMasterIdLst>
-    <p:notesMasterId r:id="rId21"/>
+    <p:notesMasterId r:id="rId22"/>
   </p:notesMasterIdLst>
   <p:sldIdLst>
     <p:sldId id="256" r:id="rId2"/>
@@ -16,20 +16,21 @@
     <p:sldId id="261" r:id="rId7"/>
     <p:sldId id="265" r:id="rId8"/>
     <p:sldId id="266" r:id="rId9"/>
-    <p:sldId id="262" r:id="rId10"/>
-    <p:sldId id="277" r:id="rId11"/>
-    <p:sldId id="269" r:id="rId12"/>
-    <p:sldId id="270" r:id="rId13"/>
-    <p:sldId id="271" r:id="rId14"/>
-    <p:sldId id="272" r:id="rId15"/>
-    <p:sldId id="273" r:id="rId16"/>
-    <p:sldId id="274" r:id="rId17"/>
-    <p:sldId id="275" r:id="rId18"/>
-    <p:sldId id="276" r:id="rId19"/>
-    <p:sldId id="278" r:id="rId20"/>
+    <p:sldId id="279" r:id="rId10"/>
+    <p:sldId id="262" r:id="rId11"/>
+    <p:sldId id="277" r:id="rId12"/>
+    <p:sldId id="269" r:id="rId13"/>
+    <p:sldId id="270" r:id="rId14"/>
+    <p:sldId id="271" r:id="rId15"/>
+    <p:sldId id="272" r:id="rId16"/>
+    <p:sldId id="273" r:id="rId17"/>
+    <p:sldId id="274" r:id="rId18"/>
+    <p:sldId id="275" r:id="rId19"/>
+    <p:sldId id="276" r:id="rId20"/>
+    <p:sldId id="278" r:id="rId21"/>
   </p:sldIdLst>
   <p:sldSz cx="9144000" cy="6858000" type="screen4x3"/>
-  <p:notesSz cx="6858000" cy="9144000"/>
+  <p:notesSz cx="6797675" cy="9926638"/>
   <p:defaultTextStyle>
     <a:defPPr>
       <a:defRPr lang="de-AT"/>
@@ -207,7 +208,7 @@
         <p:spPr bwMode="auto">
           <a:xfrm>
             <a:off x="0" y="0"/>
-            <a:ext cx="2971800" cy="457200"/>
+            <a:ext cx="2945659" cy="496332"/>
           </a:xfrm>
           <a:prstGeom prst="rect">
             <a:avLst/>
@@ -286,8 +287,8 @@
         </p:nvSpPr>
         <p:spPr bwMode="auto">
           <a:xfrm>
-            <a:off x="3884613" y="0"/>
-            <a:ext cx="2971800" cy="457200"/>
+            <a:off x="3850443" y="0"/>
+            <a:ext cx="2945659" cy="496332"/>
           </a:xfrm>
           <a:prstGeom prst="rect">
             <a:avLst/>
@@ -366,8 +367,8 @@
         </p:nvSpPr>
         <p:spPr bwMode="auto">
           <a:xfrm>
-            <a:off x="1143000" y="685800"/>
-            <a:ext cx="4572000" cy="3429000"/>
+            <a:off x="917575" y="744538"/>
+            <a:ext cx="4962525" cy="3722687"/>
           </a:xfrm>
           <a:prstGeom prst="rect">
             <a:avLst/>
@@ -423,8 +424,8 @@
         </p:nvSpPr>
         <p:spPr bwMode="auto">
           <a:xfrm>
-            <a:off x="685800" y="4343400"/>
-            <a:ext cx="5486400" cy="4114800"/>
+            <a:off x="679768" y="4715153"/>
+            <a:ext cx="5438140" cy="4466987"/>
           </a:xfrm>
           <a:prstGeom prst="rect">
             <a:avLst/>
@@ -525,8 +526,8 @@
         </p:nvSpPr>
         <p:spPr bwMode="auto">
           <a:xfrm>
-            <a:off x="0" y="8685213"/>
-            <a:ext cx="2971800" cy="457200"/>
+            <a:off x="0" y="9428583"/>
+            <a:ext cx="2945659" cy="496332"/>
           </a:xfrm>
           <a:prstGeom prst="rect">
             <a:avLst/>
@@ -605,8 +606,8 @@
         </p:nvSpPr>
         <p:spPr bwMode="auto">
           <a:xfrm>
-            <a:off x="3884613" y="8685213"/>
-            <a:ext cx="2971800" cy="457200"/>
+            <a:off x="3850443" y="9428583"/>
+            <a:ext cx="2945659" cy="496332"/>
           </a:xfrm>
           <a:prstGeom prst="rect">
             <a:avLst/>
@@ -792,6 +793,2628 @@
     </a:lvl9pPr>
   </p:notesStyle>
 </p:notesMaster>
+</file>
+
+<file path=ppt/notesSlides/notesSlide1.xml><?xml version="1.0" encoding="utf-8"?>
+<p:notes xmlns:a="http://schemas.openxmlformats.org/drawingml/2006/main" xmlns:r="http://schemas.openxmlformats.org/officeDocument/2006/relationships" xmlns:p="http://schemas.openxmlformats.org/presentationml/2006/main">
+  <p:cSld>
+    <p:spTree>
+      <p:nvGrpSpPr>
+        <p:cNvPr id="1" name=""/>
+        <p:cNvGrpSpPr/>
+        <p:nvPr/>
+      </p:nvGrpSpPr>
+      <p:grpSpPr>
+        <a:xfrm>
+          <a:off x="0" y="0"/>
+          <a:ext cx="0" cy="0"/>
+          <a:chOff x="0" y="0"/>
+          <a:chExt cx="0" cy="0"/>
+        </a:xfrm>
+      </p:grpSpPr>
+      <p:sp>
+        <p:nvSpPr>
+          <p:cNvPr id="2" name="Folienbildplatzhalter 1"/>
+          <p:cNvSpPr>
+            <a:spLocks noGrp="1" noRot="1" noChangeAspect="1"/>
+          </p:cNvSpPr>
+          <p:nvPr>
+            <p:ph type="sldImg"/>
+          </p:nvPr>
+        </p:nvSpPr>
+        <p:spPr/>
+      </p:sp>
+      <p:sp>
+        <p:nvSpPr>
+          <p:cNvPr id="3" name="Notizenplatzhalter 2"/>
+          <p:cNvSpPr>
+            <a:spLocks noGrp="1"/>
+          </p:cNvSpPr>
+          <p:nvPr>
+            <p:ph type="body" idx="1"/>
+          </p:nvPr>
+        </p:nvSpPr>
+        <p:spPr/>
+        <p:txBody>
+          <a:bodyPr/>
+          <a:lstStyle/>
+          <a:p>
+            <a:r>
+              <a:rPr lang="en-GB" dirty="0"/>
+              <a:t>Good morning everyone!</a:t>
+            </a:r>
+          </a:p>
+          <a:p>
+            <a:r>
+              <a:rPr lang="en-GB" dirty="0"/>
+              <a:t>My name is Fränz Ney and today I want to introduce you to my master thesis and the results that came out of it.</a:t>
+            </a:r>
+          </a:p>
+          <a:p>
+            <a:endParaRPr lang="en-GB" dirty="0"/>
+          </a:p>
+          <a:p>
+            <a:r>
+              <a:rPr lang="en-GB" dirty="0"/>
+              <a:t>The topic of my master thesis was to evaluate the benefits of an object-oriented programming language like C++ with the focus on small embedded micro-controllers.</a:t>
+            </a:r>
+          </a:p>
+        </p:txBody>
+      </p:sp>
+      <p:sp>
+        <p:nvSpPr>
+          <p:cNvPr id="4" name="Foliennummernplatzhalter 3"/>
+          <p:cNvSpPr>
+            <a:spLocks noGrp="1"/>
+          </p:cNvSpPr>
+          <p:nvPr>
+            <p:ph type="sldNum" sz="quarter" idx="5"/>
+          </p:nvPr>
+        </p:nvSpPr>
+        <p:spPr/>
+        <p:txBody>
+          <a:bodyPr/>
+          <a:lstStyle/>
+          <a:p>
+            <a:fld id="{E54DE1D2-C551-470C-AA50-8540EF68326A}" type="slidenum">
+              <a:rPr lang="de-AT" altLang="de-DE" smtClean="0"/>
+              <a:pPr/>
+              <a:t>1</a:t>
+            </a:fld>
+            <a:endParaRPr lang="de-AT" altLang="de-DE"/>
+          </a:p>
+        </p:txBody>
+      </p:sp>
+    </p:spTree>
+    <p:extLst>
+      <p:ext uri="{BB962C8B-B14F-4D97-AF65-F5344CB8AC3E}">
+        <p14:creationId xmlns:p14="http://schemas.microsoft.com/office/powerpoint/2010/main" val="2854693413"/>
+      </p:ext>
+    </p:extLst>
+  </p:cSld>
+  <p:clrMapOvr>
+    <a:masterClrMapping/>
+  </p:clrMapOvr>
+</p:notes>
+</file>
+
+<file path=ppt/notesSlides/notesSlide10.xml><?xml version="1.0" encoding="utf-8"?>
+<p:notes xmlns:a="http://schemas.openxmlformats.org/drawingml/2006/main" xmlns:r="http://schemas.openxmlformats.org/officeDocument/2006/relationships" xmlns:p="http://schemas.openxmlformats.org/presentationml/2006/main">
+  <p:cSld>
+    <p:spTree>
+      <p:nvGrpSpPr>
+        <p:cNvPr id="1" name=""/>
+        <p:cNvGrpSpPr/>
+        <p:nvPr/>
+      </p:nvGrpSpPr>
+      <p:grpSpPr>
+        <a:xfrm>
+          <a:off x="0" y="0"/>
+          <a:ext cx="0" cy="0"/>
+          <a:chOff x="0" y="0"/>
+          <a:chExt cx="0" cy="0"/>
+        </a:xfrm>
+      </p:grpSpPr>
+      <p:sp>
+        <p:nvSpPr>
+          <p:cNvPr id="2" name="Folienbildplatzhalter 1"/>
+          <p:cNvSpPr>
+            <a:spLocks noGrp="1" noRot="1" noChangeAspect="1"/>
+          </p:cNvSpPr>
+          <p:nvPr>
+            <p:ph type="sldImg"/>
+          </p:nvPr>
+        </p:nvSpPr>
+        <p:spPr/>
+      </p:sp>
+      <p:sp>
+        <p:nvSpPr>
+          <p:cNvPr id="3" name="Notizenplatzhalter 2"/>
+          <p:cNvSpPr>
+            <a:spLocks noGrp="1"/>
+          </p:cNvSpPr>
+          <p:nvPr>
+            <p:ph type="body" idx="1"/>
+          </p:nvPr>
+        </p:nvSpPr>
+        <p:spPr/>
+        <p:txBody>
+          <a:bodyPr/>
+          <a:lstStyle/>
+          <a:p>
+            <a:endParaRPr lang="en-GB"/>
+          </a:p>
+        </p:txBody>
+      </p:sp>
+      <p:sp>
+        <p:nvSpPr>
+          <p:cNvPr id="4" name="Foliennummernplatzhalter 3"/>
+          <p:cNvSpPr>
+            <a:spLocks noGrp="1"/>
+          </p:cNvSpPr>
+          <p:nvPr>
+            <p:ph type="sldNum" sz="quarter" idx="5"/>
+          </p:nvPr>
+        </p:nvSpPr>
+        <p:spPr/>
+        <p:txBody>
+          <a:bodyPr/>
+          <a:lstStyle/>
+          <a:p>
+            <a:fld id="{E54DE1D2-C551-470C-AA50-8540EF68326A}" type="slidenum">
+              <a:rPr lang="de-AT" altLang="de-DE" smtClean="0"/>
+              <a:pPr/>
+              <a:t>11</a:t>
+            </a:fld>
+            <a:endParaRPr lang="de-AT" altLang="de-DE"/>
+          </a:p>
+        </p:txBody>
+      </p:sp>
+    </p:spTree>
+    <p:extLst>
+      <p:ext uri="{BB962C8B-B14F-4D97-AF65-F5344CB8AC3E}">
+        <p14:creationId xmlns:p14="http://schemas.microsoft.com/office/powerpoint/2010/main" val="3011545609"/>
+      </p:ext>
+    </p:extLst>
+  </p:cSld>
+  <p:clrMapOvr>
+    <a:masterClrMapping/>
+  </p:clrMapOvr>
+</p:notes>
+</file>
+
+<file path=ppt/notesSlides/notesSlide11.xml><?xml version="1.0" encoding="utf-8"?>
+<p:notes xmlns:a="http://schemas.openxmlformats.org/drawingml/2006/main" xmlns:r="http://schemas.openxmlformats.org/officeDocument/2006/relationships" xmlns:p="http://schemas.openxmlformats.org/presentationml/2006/main">
+  <p:cSld>
+    <p:spTree>
+      <p:nvGrpSpPr>
+        <p:cNvPr id="1" name=""/>
+        <p:cNvGrpSpPr/>
+        <p:nvPr/>
+      </p:nvGrpSpPr>
+      <p:grpSpPr>
+        <a:xfrm>
+          <a:off x="0" y="0"/>
+          <a:ext cx="0" cy="0"/>
+          <a:chOff x="0" y="0"/>
+          <a:chExt cx="0" cy="0"/>
+        </a:xfrm>
+      </p:grpSpPr>
+      <p:sp>
+        <p:nvSpPr>
+          <p:cNvPr id="2" name="Folienbildplatzhalter 1"/>
+          <p:cNvSpPr>
+            <a:spLocks noGrp="1" noRot="1" noChangeAspect="1"/>
+          </p:cNvSpPr>
+          <p:nvPr>
+            <p:ph type="sldImg"/>
+          </p:nvPr>
+        </p:nvSpPr>
+        <p:spPr/>
+      </p:sp>
+      <p:sp>
+        <p:nvSpPr>
+          <p:cNvPr id="3" name="Notizenplatzhalter 2"/>
+          <p:cNvSpPr>
+            <a:spLocks noGrp="1"/>
+          </p:cNvSpPr>
+          <p:nvPr>
+            <p:ph type="body" idx="1"/>
+          </p:nvPr>
+        </p:nvSpPr>
+        <p:spPr/>
+        <p:txBody>
+          <a:bodyPr/>
+          <a:lstStyle/>
+          <a:p>
+            <a:endParaRPr lang="en-GB"/>
+          </a:p>
+        </p:txBody>
+      </p:sp>
+      <p:sp>
+        <p:nvSpPr>
+          <p:cNvPr id="4" name="Foliennummernplatzhalter 3"/>
+          <p:cNvSpPr>
+            <a:spLocks noGrp="1"/>
+          </p:cNvSpPr>
+          <p:nvPr>
+            <p:ph type="sldNum" sz="quarter" idx="5"/>
+          </p:nvPr>
+        </p:nvSpPr>
+        <p:spPr/>
+        <p:txBody>
+          <a:bodyPr/>
+          <a:lstStyle/>
+          <a:p>
+            <a:fld id="{E54DE1D2-C551-470C-AA50-8540EF68326A}" type="slidenum">
+              <a:rPr lang="de-AT" altLang="de-DE" smtClean="0"/>
+              <a:pPr/>
+              <a:t>12</a:t>
+            </a:fld>
+            <a:endParaRPr lang="de-AT" altLang="de-DE"/>
+          </a:p>
+        </p:txBody>
+      </p:sp>
+    </p:spTree>
+    <p:extLst>
+      <p:ext uri="{BB962C8B-B14F-4D97-AF65-F5344CB8AC3E}">
+        <p14:creationId xmlns:p14="http://schemas.microsoft.com/office/powerpoint/2010/main" val="435186375"/>
+      </p:ext>
+    </p:extLst>
+  </p:cSld>
+  <p:clrMapOvr>
+    <a:masterClrMapping/>
+  </p:clrMapOvr>
+</p:notes>
+</file>
+
+<file path=ppt/notesSlides/notesSlide12.xml><?xml version="1.0" encoding="utf-8"?>
+<p:notes xmlns:a="http://schemas.openxmlformats.org/drawingml/2006/main" xmlns:r="http://schemas.openxmlformats.org/officeDocument/2006/relationships" xmlns:p="http://schemas.openxmlformats.org/presentationml/2006/main">
+  <p:cSld>
+    <p:spTree>
+      <p:nvGrpSpPr>
+        <p:cNvPr id="1" name=""/>
+        <p:cNvGrpSpPr/>
+        <p:nvPr/>
+      </p:nvGrpSpPr>
+      <p:grpSpPr>
+        <a:xfrm>
+          <a:off x="0" y="0"/>
+          <a:ext cx="0" cy="0"/>
+          <a:chOff x="0" y="0"/>
+          <a:chExt cx="0" cy="0"/>
+        </a:xfrm>
+      </p:grpSpPr>
+      <p:sp>
+        <p:nvSpPr>
+          <p:cNvPr id="2" name="Folienbildplatzhalter 1"/>
+          <p:cNvSpPr>
+            <a:spLocks noGrp="1" noRot="1" noChangeAspect="1"/>
+          </p:cNvSpPr>
+          <p:nvPr>
+            <p:ph type="sldImg"/>
+          </p:nvPr>
+        </p:nvSpPr>
+        <p:spPr/>
+      </p:sp>
+      <p:sp>
+        <p:nvSpPr>
+          <p:cNvPr id="3" name="Notizenplatzhalter 2"/>
+          <p:cNvSpPr>
+            <a:spLocks noGrp="1"/>
+          </p:cNvSpPr>
+          <p:nvPr>
+            <p:ph type="body" idx="1"/>
+          </p:nvPr>
+        </p:nvSpPr>
+        <p:spPr/>
+        <p:txBody>
+          <a:bodyPr/>
+          <a:lstStyle/>
+          <a:p>
+            <a:endParaRPr lang="en-GB"/>
+          </a:p>
+        </p:txBody>
+      </p:sp>
+      <p:sp>
+        <p:nvSpPr>
+          <p:cNvPr id="4" name="Foliennummernplatzhalter 3"/>
+          <p:cNvSpPr>
+            <a:spLocks noGrp="1"/>
+          </p:cNvSpPr>
+          <p:nvPr>
+            <p:ph type="sldNum" sz="quarter" idx="5"/>
+          </p:nvPr>
+        </p:nvSpPr>
+        <p:spPr/>
+        <p:txBody>
+          <a:bodyPr/>
+          <a:lstStyle/>
+          <a:p>
+            <a:fld id="{E54DE1D2-C551-470C-AA50-8540EF68326A}" type="slidenum">
+              <a:rPr lang="de-AT" altLang="de-DE" smtClean="0"/>
+              <a:pPr/>
+              <a:t>13</a:t>
+            </a:fld>
+            <a:endParaRPr lang="de-AT" altLang="de-DE"/>
+          </a:p>
+        </p:txBody>
+      </p:sp>
+    </p:spTree>
+    <p:extLst>
+      <p:ext uri="{BB962C8B-B14F-4D97-AF65-F5344CB8AC3E}">
+        <p14:creationId xmlns:p14="http://schemas.microsoft.com/office/powerpoint/2010/main" val="1117027512"/>
+      </p:ext>
+    </p:extLst>
+  </p:cSld>
+  <p:clrMapOvr>
+    <a:masterClrMapping/>
+  </p:clrMapOvr>
+</p:notes>
+</file>
+
+<file path=ppt/notesSlides/notesSlide13.xml><?xml version="1.0" encoding="utf-8"?>
+<p:notes xmlns:a="http://schemas.openxmlformats.org/drawingml/2006/main" xmlns:r="http://schemas.openxmlformats.org/officeDocument/2006/relationships" xmlns:p="http://schemas.openxmlformats.org/presentationml/2006/main">
+  <p:cSld>
+    <p:spTree>
+      <p:nvGrpSpPr>
+        <p:cNvPr id="1" name=""/>
+        <p:cNvGrpSpPr/>
+        <p:nvPr/>
+      </p:nvGrpSpPr>
+      <p:grpSpPr>
+        <a:xfrm>
+          <a:off x="0" y="0"/>
+          <a:ext cx="0" cy="0"/>
+          <a:chOff x="0" y="0"/>
+          <a:chExt cx="0" cy="0"/>
+        </a:xfrm>
+      </p:grpSpPr>
+      <p:sp>
+        <p:nvSpPr>
+          <p:cNvPr id="2" name="Folienbildplatzhalter 1"/>
+          <p:cNvSpPr>
+            <a:spLocks noGrp="1" noRot="1" noChangeAspect="1"/>
+          </p:cNvSpPr>
+          <p:nvPr>
+            <p:ph type="sldImg"/>
+          </p:nvPr>
+        </p:nvSpPr>
+        <p:spPr/>
+      </p:sp>
+      <p:sp>
+        <p:nvSpPr>
+          <p:cNvPr id="3" name="Notizenplatzhalter 2"/>
+          <p:cNvSpPr>
+            <a:spLocks noGrp="1"/>
+          </p:cNvSpPr>
+          <p:nvPr>
+            <p:ph type="body" idx="1"/>
+          </p:nvPr>
+        </p:nvSpPr>
+        <p:spPr/>
+        <p:txBody>
+          <a:bodyPr/>
+          <a:lstStyle/>
+          <a:p>
+            <a:endParaRPr lang="en-GB"/>
+          </a:p>
+        </p:txBody>
+      </p:sp>
+      <p:sp>
+        <p:nvSpPr>
+          <p:cNvPr id="4" name="Foliennummernplatzhalter 3"/>
+          <p:cNvSpPr>
+            <a:spLocks noGrp="1"/>
+          </p:cNvSpPr>
+          <p:nvPr>
+            <p:ph type="sldNum" sz="quarter" idx="5"/>
+          </p:nvPr>
+        </p:nvSpPr>
+        <p:spPr/>
+        <p:txBody>
+          <a:bodyPr/>
+          <a:lstStyle/>
+          <a:p>
+            <a:fld id="{E54DE1D2-C551-470C-AA50-8540EF68326A}" type="slidenum">
+              <a:rPr lang="de-AT" altLang="de-DE" smtClean="0"/>
+              <a:pPr/>
+              <a:t>14</a:t>
+            </a:fld>
+            <a:endParaRPr lang="de-AT" altLang="de-DE"/>
+          </a:p>
+        </p:txBody>
+      </p:sp>
+    </p:spTree>
+    <p:extLst>
+      <p:ext uri="{BB962C8B-B14F-4D97-AF65-F5344CB8AC3E}">
+        <p14:creationId xmlns:p14="http://schemas.microsoft.com/office/powerpoint/2010/main" val="38733666"/>
+      </p:ext>
+    </p:extLst>
+  </p:cSld>
+  <p:clrMapOvr>
+    <a:masterClrMapping/>
+  </p:clrMapOvr>
+</p:notes>
+</file>
+
+<file path=ppt/notesSlides/notesSlide14.xml><?xml version="1.0" encoding="utf-8"?>
+<p:notes xmlns:a="http://schemas.openxmlformats.org/drawingml/2006/main" xmlns:r="http://schemas.openxmlformats.org/officeDocument/2006/relationships" xmlns:p="http://schemas.openxmlformats.org/presentationml/2006/main">
+  <p:cSld>
+    <p:spTree>
+      <p:nvGrpSpPr>
+        <p:cNvPr id="1" name=""/>
+        <p:cNvGrpSpPr/>
+        <p:nvPr/>
+      </p:nvGrpSpPr>
+      <p:grpSpPr>
+        <a:xfrm>
+          <a:off x="0" y="0"/>
+          <a:ext cx="0" cy="0"/>
+          <a:chOff x="0" y="0"/>
+          <a:chExt cx="0" cy="0"/>
+        </a:xfrm>
+      </p:grpSpPr>
+      <p:sp>
+        <p:nvSpPr>
+          <p:cNvPr id="2" name="Folienbildplatzhalter 1"/>
+          <p:cNvSpPr>
+            <a:spLocks noGrp="1" noRot="1" noChangeAspect="1"/>
+          </p:cNvSpPr>
+          <p:nvPr>
+            <p:ph type="sldImg"/>
+          </p:nvPr>
+        </p:nvSpPr>
+        <p:spPr/>
+      </p:sp>
+      <p:sp>
+        <p:nvSpPr>
+          <p:cNvPr id="3" name="Notizenplatzhalter 2"/>
+          <p:cNvSpPr>
+            <a:spLocks noGrp="1"/>
+          </p:cNvSpPr>
+          <p:nvPr>
+            <p:ph type="body" idx="1"/>
+          </p:nvPr>
+        </p:nvSpPr>
+        <p:spPr/>
+        <p:txBody>
+          <a:bodyPr/>
+          <a:lstStyle/>
+          <a:p>
+            <a:endParaRPr lang="en-GB"/>
+          </a:p>
+        </p:txBody>
+      </p:sp>
+      <p:sp>
+        <p:nvSpPr>
+          <p:cNvPr id="4" name="Foliennummernplatzhalter 3"/>
+          <p:cNvSpPr>
+            <a:spLocks noGrp="1"/>
+          </p:cNvSpPr>
+          <p:nvPr>
+            <p:ph type="sldNum" sz="quarter" idx="5"/>
+          </p:nvPr>
+        </p:nvSpPr>
+        <p:spPr/>
+        <p:txBody>
+          <a:bodyPr/>
+          <a:lstStyle/>
+          <a:p>
+            <a:fld id="{E54DE1D2-C551-470C-AA50-8540EF68326A}" type="slidenum">
+              <a:rPr lang="de-AT" altLang="de-DE" smtClean="0"/>
+              <a:pPr/>
+              <a:t>15</a:t>
+            </a:fld>
+            <a:endParaRPr lang="de-AT" altLang="de-DE"/>
+          </a:p>
+        </p:txBody>
+      </p:sp>
+    </p:spTree>
+    <p:extLst>
+      <p:ext uri="{BB962C8B-B14F-4D97-AF65-F5344CB8AC3E}">
+        <p14:creationId xmlns:p14="http://schemas.microsoft.com/office/powerpoint/2010/main" val="1067300897"/>
+      </p:ext>
+    </p:extLst>
+  </p:cSld>
+  <p:clrMapOvr>
+    <a:masterClrMapping/>
+  </p:clrMapOvr>
+</p:notes>
+</file>
+
+<file path=ppt/notesSlides/notesSlide15.xml><?xml version="1.0" encoding="utf-8"?>
+<p:notes xmlns:a="http://schemas.openxmlformats.org/drawingml/2006/main" xmlns:r="http://schemas.openxmlformats.org/officeDocument/2006/relationships" xmlns:p="http://schemas.openxmlformats.org/presentationml/2006/main">
+  <p:cSld>
+    <p:spTree>
+      <p:nvGrpSpPr>
+        <p:cNvPr id="1" name=""/>
+        <p:cNvGrpSpPr/>
+        <p:nvPr/>
+      </p:nvGrpSpPr>
+      <p:grpSpPr>
+        <a:xfrm>
+          <a:off x="0" y="0"/>
+          <a:ext cx="0" cy="0"/>
+          <a:chOff x="0" y="0"/>
+          <a:chExt cx="0" cy="0"/>
+        </a:xfrm>
+      </p:grpSpPr>
+      <p:sp>
+        <p:nvSpPr>
+          <p:cNvPr id="2" name="Folienbildplatzhalter 1"/>
+          <p:cNvSpPr>
+            <a:spLocks noGrp="1" noRot="1" noChangeAspect="1"/>
+          </p:cNvSpPr>
+          <p:nvPr>
+            <p:ph type="sldImg"/>
+          </p:nvPr>
+        </p:nvSpPr>
+        <p:spPr/>
+      </p:sp>
+      <p:sp>
+        <p:nvSpPr>
+          <p:cNvPr id="3" name="Notizenplatzhalter 2"/>
+          <p:cNvSpPr>
+            <a:spLocks noGrp="1"/>
+          </p:cNvSpPr>
+          <p:nvPr>
+            <p:ph type="body" idx="1"/>
+          </p:nvPr>
+        </p:nvSpPr>
+        <p:spPr/>
+        <p:txBody>
+          <a:bodyPr/>
+          <a:lstStyle/>
+          <a:p>
+            <a:endParaRPr lang="en-GB"/>
+          </a:p>
+        </p:txBody>
+      </p:sp>
+      <p:sp>
+        <p:nvSpPr>
+          <p:cNvPr id="4" name="Foliennummernplatzhalter 3"/>
+          <p:cNvSpPr>
+            <a:spLocks noGrp="1"/>
+          </p:cNvSpPr>
+          <p:nvPr>
+            <p:ph type="sldNum" sz="quarter" idx="5"/>
+          </p:nvPr>
+        </p:nvSpPr>
+        <p:spPr/>
+        <p:txBody>
+          <a:bodyPr/>
+          <a:lstStyle/>
+          <a:p>
+            <a:fld id="{E54DE1D2-C551-470C-AA50-8540EF68326A}" type="slidenum">
+              <a:rPr lang="de-AT" altLang="de-DE" smtClean="0"/>
+              <a:pPr/>
+              <a:t>16</a:t>
+            </a:fld>
+            <a:endParaRPr lang="de-AT" altLang="de-DE"/>
+          </a:p>
+        </p:txBody>
+      </p:sp>
+    </p:spTree>
+    <p:extLst>
+      <p:ext uri="{BB962C8B-B14F-4D97-AF65-F5344CB8AC3E}">
+        <p14:creationId xmlns:p14="http://schemas.microsoft.com/office/powerpoint/2010/main" val="906496515"/>
+      </p:ext>
+    </p:extLst>
+  </p:cSld>
+  <p:clrMapOvr>
+    <a:masterClrMapping/>
+  </p:clrMapOvr>
+</p:notes>
+</file>
+
+<file path=ppt/notesSlides/notesSlide16.xml><?xml version="1.0" encoding="utf-8"?>
+<p:notes xmlns:a="http://schemas.openxmlformats.org/drawingml/2006/main" xmlns:r="http://schemas.openxmlformats.org/officeDocument/2006/relationships" xmlns:p="http://schemas.openxmlformats.org/presentationml/2006/main">
+  <p:cSld>
+    <p:spTree>
+      <p:nvGrpSpPr>
+        <p:cNvPr id="1" name=""/>
+        <p:cNvGrpSpPr/>
+        <p:nvPr/>
+      </p:nvGrpSpPr>
+      <p:grpSpPr>
+        <a:xfrm>
+          <a:off x="0" y="0"/>
+          <a:ext cx="0" cy="0"/>
+          <a:chOff x="0" y="0"/>
+          <a:chExt cx="0" cy="0"/>
+        </a:xfrm>
+      </p:grpSpPr>
+      <p:sp>
+        <p:nvSpPr>
+          <p:cNvPr id="2" name="Folienbildplatzhalter 1"/>
+          <p:cNvSpPr>
+            <a:spLocks noGrp="1" noRot="1" noChangeAspect="1"/>
+          </p:cNvSpPr>
+          <p:nvPr>
+            <p:ph type="sldImg"/>
+          </p:nvPr>
+        </p:nvSpPr>
+        <p:spPr/>
+      </p:sp>
+      <p:sp>
+        <p:nvSpPr>
+          <p:cNvPr id="3" name="Notizenplatzhalter 2"/>
+          <p:cNvSpPr>
+            <a:spLocks noGrp="1"/>
+          </p:cNvSpPr>
+          <p:nvPr>
+            <p:ph type="body" idx="1"/>
+          </p:nvPr>
+        </p:nvSpPr>
+        <p:spPr/>
+        <p:txBody>
+          <a:bodyPr/>
+          <a:lstStyle/>
+          <a:p>
+            <a:endParaRPr lang="en-GB"/>
+          </a:p>
+        </p:txBody>
+      </p:sp>
+      <p:sp>
+        <p:nvSpPr>
+          <p:cNvPr id="4" name="Foliennummernplatzhalter 3"/>
+          <p:cNvSpPr>
+            <a:spLocks noGrp="1"/>
+          </p:cNvSpPr>
+          <p:nvPr>
+            <p:ph type="sldNum" sz="quarter" idx="5"/>
+          </p:nvPr>
+        </p:nvSpPr>
+        <p:spPr/>
+        <p:txBody>
+          <a:bodyPr/>
+          <a:lstStyle/>
+          <a:p>
+            <a:fld id="{E54DE1D2-C551-470C-AA50-8540EF68326A}" type="slidenum">
+              <a:rPr lang="de-AT" altLang="de-DE" smtClean="0"/>
+              <a:pPr/>
+              <a:t>17</a:t>
+            </a:fld>
+            <a:endParaRPr lang="de-AT" altLang="de-DE"/>
+          </a:p>
+        </p:txBody>
+      </p:sp>
+    </p:spTree>
+    <p:extLst>
+      <p:ext uri="{BB962C8B-B14F-4D97-AF65-F5344CB8AC3E}">
+        <p14:creationId xmlns:p14="http://schemas.microsoft.com/office/powerpoint/2010/main" val="1364736877"/>
+      </p:ext>
+    </p:extLst>
+  </p:cSld>
+  <p:clrMapOvr>
+    <a:masterClrMapping/>
+  </p:clrMapOvr>
+</p:notes>
+</file>
+
+<file path=ppt/notesSlides/notesSlide17.xml><?xml version="1.0" encoding="utf-8"?>
+<p:notes xmlns:a="http://schemas.openxmlformats.org/drawingml/2006/main" xmlns:r="http://schemas.openxmlformats.org/officeDocument/2006/relationships" xmlns:p="http://schemas.openxmlformats.org/presentationml/2006/main">
+  <p:cSld>
+    <p:spTree>
+      <p:nvGrpSpPr>
+        <p:cNvPr id="1" name=""/>
+        <p:cNvGrpSpPr/>
+        <p:nvPr/>
+      </p:nvGrpSpPr>
+      <p:grpSpPr>
+        <a:xfrm>
+          <a:off x="0" y="0"/>
+          <a:ext cx="0" cy="0"/>
+          <a:chOff x="0" y="0"/>
+          <a:chExt cx="0" cy="0"/>
+        </a:xfrm>
+      </p:grpSpPr>
+      <p:sp>
+        <p:nvSpPr>
+          <p:cNvPr id="2" name="Folienbildplatzhalter 1"/>
+          <p:cNvSpPr>
+            <a:spLocks noGrp="1" noRot="1" noChangeAspect="1"/>
+          </p:cNvSpPr>
+          <p:nvPr>
+            <p:ph type="sldImg"/>
+          </p:nvPr>
+        </p:nvSpPr>
+        <p:spPr/>
+      </p:sp>
+      <p:sp>
+        <p:nvSpPr>
+          <p:cNvPr id="3" name="Notizenplatzhalter 2"/>
+          <p:cNvSpPr>
+            <a:spLocks noGrp="1"/>
+          </p:cNvSpPr>
+          <p:nvPr>
+            <p:ph type="body" idx="1"/>
+          </p:nvPr>
+        </p:nvSpPr>
+        <p:spPr/>
+        <p:txBody>
+          <a:bodyPr/>
+          <a:lstStyle/>
+          <a:p>
+            <a:endParaRPr lang="en-GB"/>
+          </a:p>
+        </p:txBody>
+      </p:sp>
+      <p:sp>
+        <p:nvSpPr>
+          <p:cNvPr id="4" name="Foliennummernplatzhalter 3"/>
+          <p:cNvSpPr>
+            <a:spLocks noGrp="1"/>
+          </p:cNvSpPr>
+          <p:nvPr>
+            <p:ph type="sldNum" sz="quarter" idx="5"/>
+          </p:nvPr>
+        </p:nvSpPr>
+        <p:spPr/>
+        <p:txBody>
+          <a:bodyPr/>
+          <a:lstStyle/>
+          <a:p>
+            <a:fld id="{E54DE1D2-C551-470C-AA50-8540EF68326A}" type="slidenum">
+              <a:rPr lang="de-AT" altLang="de-DE" smtClean="0"/>
+              <a:pPr/>
+              <a:t>18</a:t>
+            </a:fld>
+            <a:endParaRPr lang="de-AT" altLang="de-DE"/>
+          </a:p>
+        </p:txBody>
+      </p:sp>
+    </p:spTree>
+    <p:extLst>
+      <p:ext uri="{BB962C8B-B14F-4D97-AF65-F5344CB8AC3E}">
+        <p14:creationId xmlns:p14="http://schemas.microsoft.com/office/powerpoint/2010/main" val="3387514938"/>
+      </p:ext>
+    </p:extLst>
+  </p:cSld>
+  <p:clrMapOvr>
+    <a:masterClrMapping/>
+  </p:clrMapOvr>
+</p:notes>
+</file>
+
+<file path=ppt/notesSlides/notesSlide18.xml><?xml version="1.0" encoding="utf-8"?>
+<p:notes xmlns:a="http://schemas.openxmlformats.org/drawingml/2006/main" xmlns:r="http://schemas.openxmlformats.org/officeDocument/2006/relationships" xmlns:p="http://schemas.openxmlformats.org/presentationml/2006/main">
+  <p:cSld>
+    <p:spTree>
+      <p:nvGrpSpPr>
+        <p:cNvPr id="1" name=""/>
+        <p:cNvGrpSpPr/>
+        <p:nvPr/>
+      </p:nvGrpSpPr>
+      <p:grpSpPr>
+        <a:xfrm>
+          <a:off x="0" y="0"/>
+          <a:ext cx="0" cy="0"/>
+          <a:chOff x="0" y="0"/>
+          <a:chExt cx="0" cy="0"/>
+        </a:xfrm>
+      </p:grpSpPr>
+      <p:sp>
+        <p:nvSpPr>
+          <p:cNvPr id="2" name="Folienbildplatzhalter 1"/>
+          <p:cNvSpPr>
+            <a:spLocks noGrp="1" noRot="1" noChangeAspect="1"/>
+          </p:cNvSpPr>
+          <p:nvPr>
+            <p:ph type="sldImg"/>
+          </p:nvPr>
+        </p:nvSpPr>
+        <p:spPr/>
+      </p:sp>
+      <p:sp>
+        <p:nvSpPr>
+          <p:cNvPr id="3" name="Notizenplatzhalter 2"/>
+          <p:cNvSpPr>
+            <a:spLocks noGrp="1"/>
+          </p:cNvSpPr>
+          <p:nvPr>
+            <p:ph type="body" idx="1"/>
+          </p:nvPr>
+        </p:nvSpPr>
+        <p:spPr/>
+        <p:txBody>
+          <a:bodyPr/>
+          <a:lstStyle/>
+          <a:p>
+            <a:endParaRPr lang="en-GB"/>
+          </a:p>
+        </p:txBody>
+      </p:sp>
+      <p:sp>
+        <p:nvSpPr>
+          <p:cNvPr id="4" name="Foliennummernplatzhalter 3"/>
+          <p:cNvSpPr>
+            <a:spLocks noGrp="1"/>
+          </p:cNvSpPr>
+          <p:nvPr>
+            <p:ph type="sldNum" sz="quarter" idx="5"/>
+          </p:nvPr>
+        </p:nvSpPr>
+        <p:spPr/>
+        <p:txBody>
+          <a:bodyPr/>
+          <a:lstStyle/>
+          <a:p>
+            <a:fld id="{E54DE1D2-C551-470C-AA50-8540EF68326A}" type="slidenum">
+              <a:rPr lang="de-AT" altLang="de-DE" smtClean="0"/>
+              <a:pPr/>
+              <a:t>19</a:t>
+            </a:fld>
+            <a:endParaRPr lang="de-AT" altLang="de-DE"/>
+          </a:p>
+        </p:txBody>
+      </p:sp>
+    </p:spTree>
+    <p:extLst>
+      <p:ext uri="{BB962C8B-B14F-4D97-AF65-F5344CB8AC3E}">
+        <p14:creationId xmlns:p14="http://schemas.microsoft.com/office/powerpoint/2010/main" val="1501672149"/>
+      </p:ext>
+    </p:extLst>
+  </p:cSld>
+  <p:clrMapOvr>
+    <a:masterClrMapping/>
+  </p:clrMapOvr>
+</p:notes>
+</file>
+
+<file path=ppt/notesSlides/notesSlide19.xml><?xml version="1.0" encoding="utf-8"?>
+<p:notes xmlns:a="http://schemas.openxmlformats.org/drawingml/2006/main" xmlns:r="http://schemas.openxmlformats.org/officeDocument/2006/relationships" xmlns:p="http://schemas.openxmlformats.org/presentationml/2006/main">
+  <p:cSld>
+    <p:spTree>
+      <p:nvGrpSpPr>
+        <p:cNvPr id="1" name=""/>
+        <p:cNvGrpSpPr/>
+        <p:nvPr/>
+      </p:nvGrpSpPr>
+      <p:grpSpPr>
+        <a:xfrm>
+          <a:off x="0" y="0"/>
+          <a:ext cx="0" cy="0"/>
+          <a:chOff x="0" y="0"/>
+          <a:chExt cx="0" cy="0"/>
+        </a:xfrm>
+      </p:grpSpPr>
+      <p:sp>
+        <p:nvSpPr>
+          <p:cNvPr id="2" name="Folienbildplatzhalter 1"/>
+          <p:cNvSpPr>
+            <a:spLocks noGrp="1" noRot="1" noChangeAspect="1"/>
+          </p:cNvSpPr>
+          <p:nvPr>
+            <p:ph type="sldImg"/>
+          </p:nvPr>
+        </p:nvSpPr>
+        <p:spPr/>
+      </p:sp>
+      <p:sp>
+        <p:nvSpPr>
+          <p:cNvPr id="3" name="Notizenplatzhalter 2"/>
+          <p:cNvSpPr>
+            <a:spLocks noGrp="1"/>
+          </p:cNvSpPr>
+          <p:nvPr>
+            <p:ph type="body" idx="1"/>
+          </p:nvPr>
+        </p:nvSpPr>
+        <p:spPr/>
+        <p:txBody>
+          <a:bodyPr/>
+          <a:lstStyle/>
+          <a:p>
+            <a:endParaRPr lang="en-GB"/>
+          </a:p>
+        </p:txBody>
+      </p:sp>
+      <p:sp>
+        <p:nvSpPr>
+          <p:cNvPr id="4" name="Foliennummernplatzhalter 3"/>
+          <p:cNvSpPr>
+            <a:spLocks noGrp="1"/>
+          </p:cNvSpPr>
+          <p:nvPr>
+            <p:ph type="sldNum" sz="quarter" idx="5"/>
+          </p:nvPr>
+        </p:nvSpPr>
+        <p:spPr/>
+        <p:txBody>
+          <a:bodyPr/>
+          <a:lstStyle/>
+          <a:p>
+            <a:fld id="{E54DE1D2-C551-470C-AA50-8540EF68326A}" type="slidenum">
+              <a:rPr lang="de-AT" altLang="de-DE" smtClean="0"/>
+              <a:pPr/>
+              <a:t>20</a:t>
+            </a:fld>
+            <a:endParaRPr lang="de-AT" altLang="de-DE"/>
+          </a:p>
+        </p:txBody>
+      </p:sp>
+    </p:spTree>
+    <p:extLst>
+      <p:ext uri="{BB962C8B-B14F-4D97-AF65-F5344CB8AC3E}">
+        <p14:creationId xmlns:p14="http://schemas.microsoft.com/office/powerpoint/2010/main" val="3993459791"/>
+      </p:ext>
+    </p:extLst>
+  </p:cSld>
+  <p:clrMapOvr>
+    <a:masterClrMapping/>
+  </p:clrMapOvr>
+</p:notes>
+</file>
+
+<file path=ppt/notesSlides/notesSlide2.xml><?xml version="1.0" encoding="utf-8"?>
+<p:notes xmlns:a="http://schemas.openxmlformats.org/drawingml/2006/main" xmlns:r="http://schemas.openxmlformats.org/officeDocument/2006/relationships" xmlns:p="http://schemas.openxmlformats.org/presentationml/2006/main">
+  <p:cSld>
+    <p:spTree>
+      <p:nvGrpSpPr>
+        <p:cNvPr id="1" name=""/>
+        <p:cNvGrpSpPr/>
+        <p:nvPr/>
+      </p:nvGrpSpPr>
+      <p:grpSpPr>
+        <a:xfrm>
+          <a:off x="0" y="0"/>
+          <a:ext cx="0" cy="0"/>
+          <a:chOff x="0" y="0"/>
+          <a:chExt cx="0" cy="0"/>
+        </a:xfrm>
+      </p:grpSpPr>
+      <p:sp>
+        <p:nvSpPr>
+          <p:cNvPr id="2" name="Folienbildplatzhalter 1"/>
+          <p:cNvSpPr>
+            <a:spLocks noGrp="1" noRot="1" noChangeAspect="1"/>
+          </p:cNvSpPr>
+          <p:nvPr>
+            <p:ph type="sldImg"/>
+          </p:nvPr>
+        </p:nvSpPr>
+        <p:spPr/>
+      </p:sp>
+      <p:sp>
+        <p:nvSpPr>
+          <p:cNvPr id="3" name="Notizenplatzhalter 2"/>
+          <p:cNvSpPr>
+            <a:spLocks noGrp="1"/>
+          </p:cNvSpPr>
+          <p:nvPr>
+            <p:ph type="body" idx="1"/>
+          </p:nvPr>
+        </p:nvSpPr>
+        <p:spPr/>
+        <p:txBody>
+          <a:bodyPr/>
+          <a:lstStyle/>
+          <a:p>
+            <a:r>
+              <a:rPr lang="en-GB" dirty="0"/>
+              <a:t>My master thesis mainly deals with these 5 points.</a:t>
+            </a:r>
+          </a:p>
+          <a:p>
+            <a:endParaRPr lang="en-GB" dirty="0"/>
+          </a:p>
+          <a:p>
+            <a:pPr marL="171450" indent="-171450">
+              <a:buFontTx/>
+              <a:buChar char="-"/>
+            </a:pPr>
+            <a:r>
+              <a:rPr lang="en-GB" dirty="0"/>
+              <a:t>Why using C++ in embedded projects.</a:t>
+            </a:r>
+          </a:p>
+          <a:p>
+            <a:pPr marL="171450" indent="-171450">
+              <a:buFontTx/>
+              <a:buChar char="-"/>
+            </a:pPr>
+            <a:r>
+              <a:rPr lang="en-GB" dirty="0"/>
+              <a:t>What are the benefits of C++ over C.</a:t>
+            </a:r>
+          </a:p>
+          <a:p>
+            <a:pPr marL="171450" indent="-171450">
+              <a:buFontTx/>
+              <a:buChar char="-"/>
+            </a:pPr>
+            <a:r>
+              <a:rPr lang="en-GB" dirty="0"/>
+              <a:t>Possible issues of C++.</a:t>
+            </a:r>
+          </a:p>
+          <a:p>
+            <a:pPr marL="171450" indent="-171450">
+              <a:buFontTx/>
+              <a:buChar char="-"/>
+            </a:pPr>
+            <a:r>
+              <a:rPr lang="en-GB" dirty="0"/>
+              <a:t>Benchmark tests C++ vs C.</a:t>
+            </a:r>
+          </a:p>
+          <a:p>
+            <a:pPr marL="171450" indent="-171450">
+              <a:buFontTx/>
+              <a:buChar char="-"/>
+            </a:pPr>
+            <a:r>
+              <a:rPr lang="en-GB" dirty="0"/>
+              <a:t>C++ memory overhead.</a:t>
+            </a:r>
+          </a:p>
+          <a:p>
+            <a:pPr marL="171450" indent="-171450">
+              <a:buFontTx/>
+              <a:buChar char="-"/>
+            </a:pPr>
+            <a:endParaRPr lang="en-GB" dirty="0"/>
+          </a:p>
+          <a:p>
+            <a:pPr marL="0" indent="0">
+              <a:buFontTx/>
+              <a:buNone/>
+            </a:pPr>
+            <a:r>
+              <a:rPr lang="en-GB" dirty="0"/>
+              <a:t>To find out a possible overhead in memory allocation or execution time I created small demo programs for all the different C++ concepts. (Function overloading, Templates, Classes, etc.)</a:t>
+            </a:r>
+          </a:p>
+          <a:p>
+            <a:pPr marL="0" indent="0">
+              <a:buFontTx/>
+              <a:buNone/>
+            </a:pPr>
+            <a:r>
+              <a:rPr lang="en-GB" dirty="0"/>
+              <a:t>Then I reprogram the same behaviour in C and compare the outcome of the C and C++ Compiler and analysed the runtime behaviour of both programs on a real hardware.</a:t>
+            </a:r>
+          </a:p>
+          <a:p>
+            <a:pPr marL="628650" lvl="1" indent="-171450">
+              <a:buFontTx/>
+              <a:buChar char="-"/>
+            </a:pPr>
+            <a:endParaRPr lang="en-GB" dirty="0"/>
+          </a:p>
+        </p:txBody>
+      </p:sp>
+      <p:sp>
+        <p:nvSpPr>
+          <p:cNvPr id="4" name="Foliennummernplatzhalter 3"/>
+          <p:cNvSpPr>
+            <a:spLocks noGrp="1"/>
+          </p:cNvSpPr>
+          <p:nvPr>
+            <p:ph type="sldNum" sz="quarter" idx="5"/>
+          </p:nvPr>
+        </p:nvSpPr>
+        <p:spPr/>
+        <p:txBody>
+          <a:bodyPr/>
+          <a:lstStyle/>
+          <a:p>
+            <a:fld id="{E54DE1D2-C551-470C-AA50-8540EF68326A}" type="slidenum">
+              <a:rPr lang="de-AT" altLang="de-DE" smtClean="0"/>
+              <a:pPr/>
+              <a:t>2</a:t>
+            </a:fld>
+            <a:endParaRPr lang="de-AT" altLang="de-DE"/>
+          </a:p>
+        </p:txBody>
+      </p:sp>
+    </p:spTree>
+    <p:extLst>
+      <p:ext uri="{BB962C8B-B14F-4D97-AF65-F5344CB8AC3E}">
+        <p14:creationId xmlns:p14="http://schemas.microsoft.com/office/powerpoint/2010/main" val="468806440"/>
+      </p:ext>
+    </p:extLst>
+  </p:cSld>
+  <p:clrMapOvr>
+    <a:masterClrMapping/>
+  </p:clrMapOvr>
+</p:notes>
+</file>
+
+<file path=ppt/notesSlides/notesSlide3.xml><?xml version="1.0" encoding="utf-8"?>
+<p:notes xmlns:a="http://schemas.openxmlformats.org/drawingml/2006/main" xmlns:r="http://schemas.openxmlformats.org/officeDocument/2006/relationships" xmlns:p="http://schemas.openxmlformats.org/presentationml/2006/main">
+  <p:cSld>
+    <p:spTree>
+      <p:nvGrpSpPr>
+        <p:cNvPr id="1" name=""/>
+        <p:cNvGrpSpPr/>
+        <p:nvPr/>
+      </p:nvGrpSpPr>
+      <p:grpSpPr>
+        <a:xfrm>
+          <a:off x="0" y="0"/>
+          <a:ext cx="0" cy="0"/>
+          <a:chOff x="0" y="0"/>
+          <a:chExt cx="0" cy="0"/>
+        </a:xfrm>
+      </p:grpSpPr>
+      <p:sp>
+        <p:nvSpPr>
+          <p:cNvPr id="2" name="Folienbildplatzhalter 1"/>
+          <p:cNvSpPr>
+            <a:spLocks noGrp="1" noRot="1" noChangeAspect="1"/>
+          </p:cNvSpPr>
+          <p:nvPr>
+            <p:ph type="sldImg"/>
+          </p:nvPr>
+        </p:nvSpPr>
+        <p:spPr/>
+      </p:sp>
+      <p:sp>
+        <p:nvSpPr>
+          <p:cNvPr id="3" name="Notizenplatzhalter 2"/>
+          <p:cNvSpPr>
+            <a:spLocks noGrp="1"/>
+          </p:cNvSpPr>
+          <p:nvPr>
+            <p:ph type="body" idx="1"/>
+          </p:nvPr>
+        </p:nvSpPr>
+        <p:spPr/>
+        <p:txBody>
+          <a:bodyPr/>
+          <a:lstStyle/>
+          <a:p>
+            <a:pPr marL="0" indent="0">
+              <a:buFontTx/>
+              <a:buNone/>
+            </a:pPr>
+            <a:r>
+              <a:rPr lang="en-US" dirty="0"/>
+              <a:t>Function overloading is a feature in C++ where two or more functions can have the same name but different parameters.</a:t>
+            </a:r>
+          </a:p>
+          <a:p>
+            <a:pPr marL="0" indent="0">
+              <a:buFontTx/>
+              <a:buNone/>
+            </a:pPr>
+            <a:r>
+              <a:rPr lang="en-US" dirty="0"/>
+              <a:t>Function overloading eliminates the use of different function names for the same kind of operations.</a:t>
+            </a:r>
+          </a:p>
+          <a:p>
+            <a:pPr marL="0" indent="0">
+              <a:buFontTx/>
+              <a:buNone/>
+            </a:pPr>
+            <a:r>
+              <a:rPr lang="en-US" dirty="0"/>
+              <a:t>The compiler choose the correct function during compile time based on the types and numbers of parameters.</a:t>
+            </a:r>
+          </a:p>
+          <a:p>
+            <a:pPr marL="0" indent="0">
+              <a:buFontTx/>
+              <a:buNone/>
+            </a:pPr>
+            <a:r>
+              <a:rPr lang="en-US" dirty="0"/>
+              <a:t>Programs get easier to understand and increase the maintainability of the source code.</a:t>
+            </a:r>
+          </a:p>
+          <a:p>
+            <a:pPr marL="0" indent="0">
+              <a:buFontTx/>
+              <a:buNone/>
+            </a:pPr>
+            <a:endParaRPr lang="en-US" dirty="0"/>
+          </a:p>
+          <a:p>
+            <a:pPr marL="0" indent="0">
+              <a:buFontTx/>
+              <a:buNone/>
+            </a:pPr>
+            <a:r>
+              <a:rPr lang="en-US" dirty="0"/>
+              <a:t>In C++ programming, you can provide default values for function parameters.</a:t>
+            </a:r>
+          </a:p>
+          <a:p>
+            <a:pPr marL="0" indent="0">
+              <a:buFontTx/>
+              <a:buNone/>
+            </a:pPr>
+            <a:r>
+              <a:rPr lang="en-US" dirty="0"/>
+              <a:t>If the caller of the function doesn’t provide an argument the default value is used.</a:t>
+            </a:r>
+          </a:p>
+          <a:p>
+            <a:pPr marL="0" indent="0">
+              <a:buFontTx/>
+              <a:buNone/>
+            </a:pPr>
+            <a:endParaRPr lang="en-US" dirty="0"/>
+          </a:p>
+          <a:p>
+            <a:pPr marL="0" indent="0">
+              <a:buFontTx/>
+              <a:buNone/>
+            </a:pPr>
+            <a:r>
+              <a:rPr lang="en-US" dirty="0"/>
+              <a:t>Templates allows it to develop functions or classes independent from their data types.</a:t>
+            </a:r>
+          </a:p>
+          <a:p>
+            <a:pPr marL="0" indent="0">
+              <a:buFontTx/>
+              <a:buNone/>
+            </a:pPr>
+            <a:r>
+              <a:rPr lang="en-US" dirty="0"/>
+              <a:t>In C++ templates are very popular to implement algorithms or container collections.</a:t>
+            </a:r>
+          </a:p>
+          <a:p>
+            <a:pPr marL="0" indent="0">
+              <a:buFontTx/>
+              <a:buNone/>
+            </a:pPr>
+            <a:r>
+              <a:rPr lang="en-US" dirty="0"/>
+              <a:t>Lists or arrays are very good examples for templates. In C such algorithms must be reimplemented for every data types and bugs must be fixed in every of those implementation.</a:t>
+            </a:r>
+          </a:p>
+          <a:p>
+            <a:pPr marL="0" indent="0">
+              <a:buFontTx/>
+              <a:buNone/>
+            </a:pPr>
+            <a:r>
+              <a:rPr lang="en-US" dirty="0"/>
+              <a:t>So templates increase the maintainability and reusability of the source code and bugs must only be fixed in one function.</a:t>
+            </a:r>
+          </a:p>
+          <a:p>
+            <a:pPr marL="0" indent="0">
+              <a:buFontTx/>
+              <a:buNone/>
+            </a:pPr>
+            <a:endParaRPr lang="en-US" dirty="0"/>
+          </a:p>
+          <a:p>
+            <a:pPr marL="0" indent="0">
+              <a:buFontTx/>
+              <a:buNone/>
+            </a:pPr>
+            <a:r>
+              <a:rPr lang="en-US" dirty="0"/>
+              <a:t>Reference variables are the alias of another variable while pointer variable are the special type of variable that contains the address of another variable.</a:t>
+            </a:r>
+          </a:p>
+          <a:p>
+            <a:pPr marL="0" indent="0">
+              <a:buFontTx/>
+              <a:buNone/>
+            </a:pPr>
+            <a:endParaRPr lang="en-US" dirty="0"/>
+          </a:p>
+          <a:p>
+            <a:pPr marL="0" indent="0">
+              <a:buFontTx/>
+              <a:buNone/>
+            </a:pPr>
+            <a:r>
+              <a:rPr lang="en-US" dirty="0"/>
+              <a:t>Advantages of pointers:</a:t>
+            </a:r>
+          </a:p>
+          <a:p>
+            <a:pPr marL="0" indent="0">
+              <a:buFontTx/>
+              <a:buNone/>
+            </a:pPr>
+            <a:r>
+              <a:rPr lang="en-US" dirty="0"/>
+              <a:t>	- The reference syntax is simpler. (For pointers, you always have to differentiate between the arrow -&gt; and dot . Operator.)</a:t>
+            </a:r>
+          </a:p>
+          <a:p>
+            <a:pPr marL="0" indent="0">
+              <a:buFontTx/>
+              <a:buNone/>
+            </a:pPr>
+            <a:r>
+              <a:rPr lang="en-US" dirty="0"/>
+              <a:t>	- References are safe as they always point to a valid address.</a:t>
+            </a:r>
+          </a:p>
+          <a:p>
+            <a:pPr marL="0" indent="0">
+              <a:buFontTx/>
+              <a:buNone/>
+            </a:pPr>
+            <a:r>
+              <a:rPr lang="en-US" dirty="0"/>
+              <a:t>	- References are useful for copy constructors and overloaded operators.</a:t>
+            </a:r>
+          </a:p>
+          <a:p>
+            <a:pPr marL="0" indent="0">
+              <a:buFontTx/>
+              <a:buNone/>
+            </a:pPr>
+            <a:endParaRPr lang="en-US" dirty="0"/>
+          </a:p>
+          <a:p>
+            <a:pPr marL="0" indent="0">
+              <a:buFontTx/>
+              <a:buNone/>
+            </a:pPr>
+            <a:endParaRPr lang="en-US" dirty="0"/>
+          </a:p>
+          <a:p>
+            <a:pPr marL="0" indent="0">
+              <a:buFontTx/>
+              <a:buNone/>
+            </a:pPr>
+            <a:endParaRPr lang="en-US" dirty="0"/>
+          </a:p>
+          <a:p>
+            <a:pPr marL="0" indent="0">
+              <a:buFontTx/>
+              <a:buNone/>
+            </a:pPr>
+            <a:endParaRPr lang="en-GB" dirty="0"/>
+          </a:p>
+        </p:txBody>
+      </p:sp>
+      <p:sp>
+        <p:nvSpPr>
+          <p:cNvPr id="4" name="Foliennummernplatzhalter 3"/>
+          <p:cNvSpPr>
+            <a:spLocks noGrp="1"/>
+          </p:cNvSpPr>
+          <p:nvPr>
+            <p:ph type="sldNum" sz="quarter" idx="5"/>
+          </p:nvPr>
+        </p:nvSpPr>
+        <p:spPr/>
+        <p:txBody>
+          <a:bodyPr/>
+          <a:lstStyle/>
+          <a:p>
+            <a:fld id="{E54DE1D2-C551-470C-AA50-8540EF68326A}" type="slidenum">
+              <a:rPr lang="de-AT" altLang="de-DE" smtClean="0"/>
+              <a:pPr/>
+              <a:t>3</a:t>
+            </a:fld>
+            <a:endParaRPr lang="de-AT" altLang="de-DE"/>
+          </a:p>
+        </p:txBody>
+      </p:sp>
+    </p:spTree>
+    <p:extLst>
+      <p:ext uri="{BB962C8B-B14F-4D97-AF65-F5344CB8AC3E}">
+        <p14:creationId xmlns:p14="http://schemas.microsoft.com/office/powerpoint/2010/main" val="3989821972"/>
+      </p:ext>
+    </p:extLst>
+  </p:cSld>
+  <p:clrMapOvr>
+    <a:masterClrMapping/>
+  </p:clrMapOvr>
+</p:notes>
+</file>
+
+<file path=ppt/notesSlides/notesSlide4.xml><?xml version="1.0" encoding="utf-8"?>
+<p:notes xmlns:a="http://schemas.openxmlformats.org/drawingml/2006/main" xmlns:r="http://schemas.openxmlformats.org/officeDocument/2006/relationships" xmlns:p="http://schemas.openxmlformats.org/presentationml/2006/main">
+  <p:cSld>
+    <p:spTree>
+      <p:nvGrpSpPr>
+        <p:cNvPr id="1" name=""/>
+        <p:cNvGrpSpPr/>
+        <p:nvPr/>
+      </p:nvGrpSpPr>
+      <p:grpSpPr>
+        <a:xfrm>
+          <a:off x="0" y="0"/>
+          <a:ext cx="0" cy="0"/>
+          <a:chOff x="0" y="0"/>
+          <a:chExt cx="0" cy="0"/>
+        </a:xfrm>
+      </p:grpSpPr>
+      <p:sp>
+        <p:nvSpPr>
+          <p:cNvPr id="2" name="Folienbildplatzhalter 1"/>
+          <p:cNvSpPr>
+            <a:spLocks noGrp="1" noRot="1" noChangeAspect="1"/>
+          </p:cNvSpPr>
+          <p:nvPr>
+            <p:ph type="sldImg"/>
+          </p:nvPr>
+        </p:nvSpPr>
+        <p:spPr/>
+      </p:sp>
+      <p:sp>
+        <p:nvSpPr>
+          <p:cNvPr id="3" name="Notizenplatzhalter 2"/>
+          <p:cNvSpPr>
+            <a:spLocks noGrp="1"/>
+          </p:cNvSpPr>
+          <p:nvPr>
+            <p:ph type="body" idx="1"/>
+          </p:nvPr>
+        </p:nvSpPr>
+        <p:spPr/>
+        <p:txBody>
+          <a:bodyPr/>
+          <a:lstStyle/>
+          <a:p>
+            <a:r>
+              <a:rPr lang="en-GB" dirty="0"/>
+              <a:t>The C++ standard library is one of the most important features in C++.</a:t>
+            </a:r>
+          </a:p>
+          <a:p>
+            <a:r>
+              <a:rPr lang="en-GB" dirty="0"/>
+              <a:t>The standard library allows it to use well tested and documented code. For example: Container classes like lists, arrays or algorithms or Strings.</a:t>
+            </a:r>
+          </a:p>
+          <a:p>
+            <a:r>
+              <a:rPr lang="en-GB" dirty="0"/>
+              <a:t>But the use standard library must be well considered in combination with small embedded micro-controllers.</a:t>
+            </a:r>
+          </a:p>
+          <a:p>
+            <a:r>
+              <a:rPr lang="en-GB" dirty="0"/>
+              <a:t>It is often not transparent how this function operate in the background. </a:t>
+            </a:r>
+          </a:p>
+          <a:p>
+            <a:r>
+              <a:rPr lang="en-GB" dirty="0"/>
+              <a:t>For example it is not transparent when and how those function allocate memory on the stack or heap.</a:t>
+            </a:r>
+          </a:p>
+          <a:p>
+            <a:r>
+              <a:rPr lang="en-GB" dirty="0"/>
+              <a:t>As a result system performance could be extremely influenced.</a:t>
+            </a:r>
+          </a:p>
+          <a:p>
+            <a:endParaRPr lang="en-GB" dirty="0"/>
+          </a:p>
+          <a:p>
+            <a:pPr marL="0" marR="0" lvl="0" indent="0" algn="l" defTabSz="914400" rtl="0" eaLnBrk="0" fontAlgn="base" latinLnBrk="0" hangingPunct="0">
+              <a:lnSpc>
+                <a:spcPct val="100000"/>
+              </a:lnSpc>
+              <a:spcBef>
+                <a:spcPct val="30000"/>
+              </a:spcBef>
+              <a:spcAft>
+                <a:spcPct val="0"/>
+              </a:spcAft>
+              <a:buClrTx/>
+              <a:buSzTx/>
+              <a:buFontTx/>
+              <a:buNone/>
+              <a:tabLst/>
+              <a:defRPr/>
+            </a:pPr>
+            <a:r>
+              <a:rPr lang="en-US" dirty="0"/>
+              <a:t>As an embedded developer you have to know exactly which functionality of the standard library you are allowed to use and which not.</a:t>
+            </a:r>
+          </a:p>
+          <a:p>
+            <a:endParaRPr lang="en-GB" dirty="0"/>
+          </a:p>
+        </p:txBody>
+      </p:sp>
+      <p:sp>
+        <p:nvSpPr>
+          <p:cNvPr id="4" name="Foliennummernplatzhalter 3"/>
+          <p:cNvSpPr>
+            <a:spLocks noGrp="1"/>
+          </p:cNvSpPr>
+          <p:nvPr>
+            <p:ph type="sldNum" sz="quarter" idx="5"/>
+          </p:nvPr>
+        </p:nvSpPr>
+        <p:spPr/>
+        <p:txBody>
+          <a:bodyPr/>
+          <a:lstStyle/>
+          <a:p>
+            <a:fld id="{E54DE1D2-C551-470C-AA50-8540EF68326A}" type="slidenum">
+              <a:rPr lang="de-AT" altLang="de-DE" smtClean="0"/>
+              <a:pPr/>
+              <a:t>4</a:t>
+            </a:fld>
+            <a:endParaRPr lang="de-AT" altLang="de-DE"/>
+          </a:p>
+        </p:txBody>
+      </p:sp>
+    </p:spTree>
+    <p:extLst>
+      <p:ext uri="{BB962C8B-B14F-4D97-AF65-F5344CB8AC3E}">
+        <p14:creationId xmlns:p14="http://schemas.microsoft.com/office/powerpoint/2010/main" val="4177569249"/>
+      </p:ext>
+    </p:extLst>
+  </p:cSld>
+  <p:clrMapOvr>
+    <a:masterClrMapping/>
+  </p:clrMapOvr>
+</p:notes>
+</file>
+
+<file path=ppt/notesSlides/notesSlide5.xml><?xml version="1.0" encoding="utf-8"?>
+<p:notes xmlns:a="http://schemas.openxmlformats.org/drawingml/2006/main" xmlns:r="http://schemas.openxmlformats.org/officeDocument/2006/relationships" xmlns:p="http://schemas.openxmlformats.org/presentationml/2006/main">
+  <p:cSld>
+    <p:spTree>
+      <p:nvGrpSpPr>
+        <p:cNvPr id="1" name=""/>
+        <p:cNvGrpSpPr/>
+        <p:nvPr/>
+      </p:nvGrpSpPr>
+      <p:grpSpPr>
+        <a:xfrm>
+          <a:off x="0" y="0"/>
+          <a:ext cx="0" cy="0"/>
+          <a:chOff x="0" y="0"/>
+          <a:chExt cx="0" cy="0"/>
+        </a:xfrm>
+      </p:grpSpPr>
+      <p:sp>
+        <p:nvSpPr>
+          <p:cNvPr id="2" name="Folienbildplatzhalter 1"/>
+          <p:cNvSpPr>
+            <a:spLocks noGrp="1" noRot="1" noChangeAspect="1"/>
+          </p:cNvSpPr>
+          <p:nvPr>
+            <p:ph type="sldImg"/>
+          </p:nvPr>
+        </p:nvSpPr>
+        <p:spPr/>
+      </p:sp>
+      <p:sp>
+        <p:nvSpPr>
+          <p:cNvPr id="3" name="Notizenplatzhalter 2"/>
+          <p:cNvSpPr>
+            <a:spLocks noGrp="1"/>
+          </p:cNvSpPr>
+          <p:nvPr>
+            <p:ph type="body" idx="1"/>
+          </p:nvPr>
+        </p:nvSpPr>
+        <p:spPr/>
+        <p:txBody>
+          <a:bodyPr/>
+          <a:lstStyle/>
+          <a:p>
+            <a:r>
+              <a:rPr lang="en-GB" dirty="0"/>
+              <a:t>The usage of namespaces increase the modularity of the code.</a:t>
+            </a:r>
+          </a:p>
+          <a:p>
+            <a:r>
+              <a:rPr lang="en-GB" dirty="0"/>
+              <a:t>Namespaces are often used to put external libraries in separate namespaces to prevent conflicts with function names or global variables.</a:t>
+            </a:r>
+          </a:p>
+          <a:p>
+            <a:r>
+              <a:rPr lang="en-GB" dirty="0"/>
+              <a:t>C++ allows also to define anonymous namespaces to hide functionality from the outside of this .</a:t>
+            </a:r>
+            <a:r>
+              <a:rPr lang="en-GB" dirty="0" err="1"/>
+              <a:t>cpp</a:t>
+            </a:r>
+            <a:r>
+              <a:rPr lang="en-GB" dirty="0"/>
+              <a:t> file.</a:t>
+            </a:r>
+          </a:p>
+          <a:p>
+            <a:r>
+              <a:rPr lang="en-GB" dirty="0"/>
+              <a:t>Similar to static in C bit with the benefit to also hide new type definitions.</a:t>
+            </a:r>
+          </a:p>
+          <a:p>
+            <a:endParaRPr lang="en-GB" dirty="0"/>
+          </a:p>
+          <a:p>
+            <a:r>
+              <a:rPr lang="en-GB" dirty="0"/>
+              <a:t>Classes are the most important construct of the object-oriented concept.</a:t>
+            </a:r>
+          </a:p>
+          <a:p>
+            <a:r>
+              <a:rPr lang="en-US" dirty="0"/>
+              <a:t>A Class is a user defined data-type which has data members and member functions. So classes combines data and functions.</a:t>
+            </a:r>
+          </a:p>
+          <a:p>
+            <a:r>
+              <a:rPr lang="en-US" dirty="0"/>
+              <a:t>The only difference between a struct and a class is that you can specify the visibility of the members with access specifiers (private, public and protected)</a:t>
+            </a:r>
+          </a:p>
+          <a:p>
+            <a:endParaRPr lang="en-US" dirty="0"/>
+          </a:p>
+          <a:p>
+            <a:r>
+              <a:rPr lang="en-US" dirty="0"/>
+              <a:t>Constructors and Destructors allows it to always work with initialized data.</a:t>
+            </a:r>
+          </a:p>
+          <a:p>
+            <a:r>
+              <a:rPr lang="en-US" dirty="0"/>
+              <a:t>Constructors can initialize data and allocate memory. If the object is not used anymore the allocated memory is freed automatically.</a:t>
+            </a:r>
+          </a:p>
+          <a:p>
+            <a:endParaRPr lang="en-US" dirty="0"/>
+          </a:p>
+          <a:p>
+            <a:endParaRPr lang="en-US" dirty="0"/>
+          </a:p>
+          <a:p>
+            <a:pPr marL="0" marR="0" lvl="0" indent="0" algn="l" defTabSz="914400" rtl="0" eaLnBrk="0" fontAlgn="base" latinLnBrk="0" hangingPunct="0">
+              <a:lnSpc>
+                <a:spcPct val="100000"/>
+              </a:lnSpc>
+              <a:spcBef>
+                <a:spcPct val="30000"/>
+              </a:spcBef>
+              <a:spcAft>
+                <a:spcPct val="0"/>
+              </a:spcAft>
+              <a:buClrTx/>
+              <a:buSzTx/>
+              <a:buFontTx/>
+              <a:buNone/>
+              <a:tabLst/>
+              <a:defRPr/>
+            </a:pPr>
+            <a:r>
+              <a:rPr lang="en-US" sz="1200" dirty="0">
+                <a:effectLst/>
+              </a:rPr>
+              <a:t>Two of the benefits of </a:t>
+            </a:r>
+            <a:r>
+              <a:rPr lang="en-GB" dirty="0"/>
+              <a:t>Inheritance and Polymorphism </a:t>
+            </a:r>
+            <a:r>
+              <a:rPr lang="en-US" sz="1200" dirty="0">
+                <a:effectLst/>
+              </a:rPr>
+              <a:t>are code reusability and extensibility.</a:t>
+            </a:r>
+          </a:p>
+          <a:p>
+            <a:pPr marL="0" marR="0" lvl="0" indent="0" algn="l" defTabSz="914400" rtl="0" eaLnBrk="0" fontAlgn="base" latinLnBrk="0" hangingPunct="0">
+              <a:lnSpc>
+                <a:spcPct val="100000"/>
+              </a:lnSpc>
+              <a:spcBef>
+                <a:spcPct val="30000"/>
+              </a:spcBef>
+              <a:spcAft>
+                <a:spcPct val="0"/>
+              </a:spcAft>
+              <a:buClrTx/>
+              <a:buSzTx/>
+              <a:buFontTx/>
+              <a:buNone/>
+              <a:tabLst/>
+              <a:defRPr/>
+            </a:pPr>
+            <a:r>
+              <a:rPr lang="en-US" sz="1200" dirty="0">
+                <a:effectLst/>
+              </a:rPr>
+              <a:t>Functionality can be broken down in base classes and sub classes. So methods or functions which are identical must not be repeated in every class implementation.</a:t>
+            </a:r>
+          </a:p>
+          <a:p>
+            <a:pPr marL="0" marR="0" lvl="0" indent="0" algn="l" defTabSz="914400" rtl="0" eaLnBrk="0" fontAlgn="base" latinLnBrk="0" hangingPunct="0">
+              <a:lnSpc>
+                <a:spcPct val="100000"/>
+              </a:lnSpc>
+              <a:spcBef>
+                <a:spcPct val="30000"/>
+              </a:spcBef>
+              <a:spcAft>
+                <a:spcPct val="0"/>
+              </a:spcAft>
+              <a:buClrTx/>
+              <a:buSzTx/>
+              <a:buFontTx/>
+              <a:buNone/>
+              <a:tabLst/>
+              <a:defRPr/>
+            </a:pPr>
+            <a:r>
+              <a:rPr lang="en-US" sz="1200" dirty="0">
+                <a:effectLst/>
+              </a:rPr>
+              <a:t>This is a very powerful mechanism.</a:t>
+            </a:r>
+            <a:endParaRPr lang="en-GB" dirty="0"/>
+          </a:p>
+          <a:p>
+            <a:endParaRPr lang="en-GB" dirty="0"/>
+          </a:p>
+          <a:p>
+            <a:endParaRPr lang="en-GB" dirty="0"/>
+          </a:p>
+        </p:txBody>
+      </p:sp>
+      <p:sp>
+        <p:nvSpPr>
+          <p:cNvPr id="4" name="Foliennummernplatzhalter 3"/>
+          <p:cNvSpPr>
+            <a:spLocks noGrp="1"/>
+          </p:cNvSpPr>
+          <p:nvPr>
+            <p:ph type="sldNum" sz="quarter" idx="5"/>
+          </p:nvPr>
+        </p:nvSpPr>
+        <p:spPr/>
+        <p:txBody>
+          <a:bodyPr/>
+          <a:lstStyle/>
+          <a:p>
+            <a:fld id="{E54DE1D2-C551-470C-AA50-8540EF68326A}" type="slidenum">
+              <a:rPr lang="de-AT" altLang="de-DE" smtClean="0"/>
+              <a:pPr/>
+              <a:t>5</a:t>
+            </a:fld>
+            <a:endParaRPr lang="de-AT" altLang="de-DE"/>
+          </a:p>
+        </p:txBody>
+      </p:sp>
+    </p:spTree>
+    <p:extLst>
+      <p:ext uri="{BB962C8B-B14F-4D97-AF65-F5344CB8AC3E}">
+        <p14:creationId xmlns:p14="http://schemas.microsoft.com/office/powerpoint/2010/main" val="2055919829"/>
+      </p:ext>
+    </p:extLst>
+  </p:cSld>
+  <p:clrMapOvr>
+    <a:masterClrMapping/>
+  </p:clrMapOvr>
+</p:notes>
+</file>
+
+<file path=ppt/notesSlides/notesSlide6.xml><?xml version="1.0" encoding="utf-8"?>
+<p:notes xmlns:a="http://schemas.openxmlformats.org/drawingml/2006/main" xmlns:r="http://schemas.openxmlformats.org/officeDocument/2006/relationships" xmlns:p="http://schemas.openxmlformats.org/presentationml/2006/main">
+  <p:cSld>
+    <p:spTree>
+      <p:nvGrpSpPr>
+        <p:cNvPr id="1" name=""/>
+        <p:cNvGrpSpPr/>
+        <p:nvPr/>
+      </p:nvGrpSpPr>
+      <p:grpSpPr>
+        <a:xfrm>
+          <a:off x="0" y="0"/>
+          <a:ext cx="0" cy="0"/>
+          <a:chOff x="0" y="0"/>
+          <a:chExt cx="0" cy="0"/>
+        </a:xfrm>
+      </p:grpSpPr>
+      <p:sp>
+        <p:nvSpPr>
+          <p:cNvPr id="2" name="Folienbildplatzhalter 1"/>
+          <p:cNvSpPr>
+            <a:spLocks noGrp="1" noRot="1" noChangeAspect="1"/>
+          </p:cNvSpPr>
+          <p:nvPr>
+            <p:ph type="sldImg"/>
+          </p:nvPr>
+        </p:nvSpPr>
+        <p:spPr/>
+      </p:sp>
+      <p:sp>
+        <p:nvSpPr>
+          <p:cNvPr id="3" name="Notizenplatzhalter 2"/>
+          <p:cNvSpPr>
+            <a:spLocks noGrp="1"/>
+          </p:cNvSpPr>
+          <p:nvPr>
+            <p:ph type="body" idx="1"/>
+          </p:nvPr>
+        </p:nvSpPr>
+        <p:spPr/>
+        <p:txBody>
+          <a:bodyPr/>
+          <a:lstStyle/>
+          <a:p>
+            <a:r>
+              <a:rPr lang="en-GB" dirty="0"/>
+              <a:t>This slide shows the Benefits and Drawbacks of the different C++ concepts.</a:t>
+            </a:r>
+          </a:p>
+          <a:p>
+            <a:endParaRPr lang="en-GB" dirty="0"/>
+          </a:p>
+          <a:p>
+            <a:r>
+              <a:rPr lang="en-GB" dirty="0"/>
+              <a:t>Function overloading, default arguments and function templates has absolutely to overhead in memory and execution time. Those concepts only affect the compile process and increase the maintainability of the source code.</a:t>
+            </a:r>
+          </a:p>
+          <a:p>
+            <a:endParaRPr lang="en-GB" dirty="0"/>
+          </a:p>
+          <a:p>
+            <a:r>
+              <a:rPr lang="en-GB" dirty="0"/>
+              <a:t>Using references instead of pointers eliminates a lot of possible bugs which occurs often when using pointers.</a:t>
+            </a:r>
+          </a:p>
+          <a:p>
+            <a:r>
+              <a:rPr lang="en-GB" dirty="0"/>
+              <a:t>When producing new C++ code pointers can be prevented in the most cases. Only to be compatible with old existing C code pointers are often still necessary. </a:t>
+            </a:r>
+          </a:p>
+          <a:p>
+            <a:endParaRPr lang="en-GB" dirty="0"/>
+          </a:p>
+          <a:p>
+            <a:r>
+              <a:rPr lang="en-GB" dirty="0"/>
+              <a:t>Using functionality from the C++ standard library depends on how much free memory is available.</a:t>
+            </a:r>
+          </a:p>
+          <a:p>
+            <a:endParaRPr lang="en-GB" dirty="0"/>
+          </a:p>
+          <a:p>
+            <a:r>
+              <a:rPr lang="en-GB" dirty="0"/>
+              <a:t>Namespaces increase the modularity of the code and have no overhead.</a:t>
+            </a:r>
+          </a:p>
+          <a:p>
+            <a:endParaRPr lang="en-GB" dirty="0"/>
+          </a:p>
+          <a:p>
+            <a:r>
+              <a:rPr lang="en-GB" dirty="0"/>
+              <a:t>The concept of classes brings a lot of benefit because data and functions are united which make it easier to test a class as a single unit.</a:t>
+            </a:r>
+          </a:p>
+          <a:p>
+            <a:r>
+              <a:rPr lang="en-GB" dirty="0"/>
+              <a:t>The access specifiers private, public, and protected makes it possible to encapsulate data.</a:t>
+            </a:r>
+          </a:p>
+          <a:p>
+            <a:endParaRPr lang="en-GB" dirty="0"/>
+          </a:p>
+          <a:p>
+            <a:r>
+              <a:rPr lang="en-GB" dirty="0"/>
+              <a:t>Constructor and Destructors are very powerful mechanism which prevent working with uninitialized data.</a:t>
+            </a:r>
+          </a:p>
+          <a:p>
+            <a:r>
+              <a:rPr lang="en-GB" dirty="0"/>
+              <a:t>But sometimes it is not clear when those functions are called. One other point is, when creating a lot of objects in a loop can increase the execution time because the constructor is called every time.</a:t>
+            </a:r>
+          </a:p>
+          <a:p>
+            <a:endParaRPr lang="en-GB" dirty="0"/>
+          </a:p>
+          <a:p>
+            <a:pPr marL="0" marR="0" lvl="0" indent="0" algn="l" defTabSz="914400" rtl="0" eaLnBrk="1" fontAlgn="auto" latinLnBrk="0" hangingPunct="1">
+              <a:lnSpc>
+                <a:spcPct val="100000"/>
+              </a:lnSpc>
+              <a:spcBef>
+                <a:spcPts val="0"/>
+              </a:spcBef>
+              <a:spcAft>
+                <a:spcPts val="0"/>
+              </a:spcAft>
+              <a:buClrTx/>
+              <a:buSzTx/>
+              <a:buFontTx/>
+              <a:buNone/>
+              <a:tabLst/>
+              <a:defRPr/>
+            </a:pPr>
+            <a:r>
+              <a:rPr lang="en-GB" dirty="0"/>
+              <a:t>Virtual functions and multiple inheritance should be used with caution. Those concepts brings a lot of overhead and should be prevented in embedded projects.</a:t>
+            </a:r>
+          </a:p>
+          <a:p>
+            <a:endParaRPr lang="en-GB" dirty="0"/>
+          </a:p>
+          <a:p>
+            <a:endParaRPr lang="en-GB" dirty="0"/>
+          </a:p>
+          <a:p>
+            <a:endParaRPr lang="en-GB" dirty="0"/>
+          </a:p>
+          <a:p>
+            <a:endParaRPr lang="en-GB" dirty="0"/>
+          </a:p>
+        </p:txBody>
+      </p:sp>
+      <p:sp>
+        <p:nvSpPr>
+          <p:cNvPr id="4" name="Foliennummernplatzhalter 3"/>
+          <p:cNvSpPr>
+            <a:spLocks noGrp="1"/>
+          </p:cNvSpPr>
+          <p:nvPr>
+            <p:ph type="sldNum" sz="quarter" idx="5"/>
+          </p:nvPr>
+        </p:nvSpPr>
+        <p:spPr/>
+        <p:txBody>
+          <a:bodyPr/>
+          <a:lstStyle/>
+          <a:p>
+            <a:fld id="{E54DE1D2-C551-470C-AA50-8540EF68326A}" type="slidenum">
+              <a:rPr lang="de-AT" altLang="de-DE" smtClean="0"/>
+              <a:pPr/>
+              <a:t>6</a:t>
+            </a:fld>
+            <a:endParaRPr lang="de-AT" altLang="de-DE"/>
+          </a:p>
+        </p:txBody>
+      </p:sp>
+    </p:spTree>
+    <p:extLst>
+      <p:ext uri="{BB962C8B-B14F-4D97-AF65-F5344CB8AC3E}">
+        <p14:creationId xmlns:p14="http://schemas.microsoft.com/office/powerpoint/2010/main" val="2885883129"/>
+      </p:ext>
+    </p:extLst>
+  </p:cSld>
+  <p:clrMapOvr>
+    <a:masterClrMapping/>
+  </p:clrMapOvr>
+</p:notes>
+</file>
+
+<file path=ppt/notesSlides/notesSlide7.xml><?xml version="1.0" encoding="utf-8"?>
+<p:notes xmlns:a="http://schemas.openxmlformats.org/drawingml/2006/main" xmlns:r="http://schemas.openxmlformats.org/officeDocument/2006/relationships" xmlns:p="http://schemas.openxmlformats.org/presentationml/2006/main">
+  <p:cSld>
+    <p:spTree>
+      <p:nvGrpSpPr>
+        <p:cNvPr id="1" name=""/>
+        <p:cNvGrpSpPr/>
+        <p:nvPr/>
+      </p:nvGrpSpPr>
+      <p:grpSpPr>
+        <a:xfrm>
+          <a:off x="0" y="0"/>
+          <a:ext cx="0" cy="0"/>
+          <a:chOff x="0" y="0"/>
+          <a:chExt cx="0" cy="0"/>
+        </a:xfrm>
+      </p:grpSpPr>
+      <p:sp>
+        <p:nvSpPr>
+          <p:cNvPr id="2" name="Folienbildplatzhalter 1"/>
+          <p:cNvSpPr>
+            <a:spLocks noGrp="1" noRot="1" noChangeAspect="1"/>
+          </p:cNvSpPr>
+          <p:nvPr>
+            <p:ph type="sldImg"/>
+          </p:nvPr>
+        </p:nvSpPr>
+        <p:spPr/>
+      </p:sp>
+      <p:sp>
+        <p:nvSpPr>
+          <p:cNvPr id="3" name="Notizenplatzhalter 2"/>
+          <p:cNvSpPr>
+            <a:spLocks noGrp="1"/>
+          </p:cNvSpPr>
+          <p:nvPr>
+            <p:ph type="body" idx="1"/>
+          </p:nvPr>
+        </p:nvSpPr>
+        <p:spPr/>
+        <p:txBody>
+          <a:bodyPr/>
+          <a:lstStyle/>
+          <a:p>
+            <a:endParaRPr lang="en-GB"/>
+          </a:p>
+        </p:txBody>
+      </p:sp>
+      <p:sp>
+        <p:nvSpPr>
+          <p:cNvPr id="4" name="Foliennummernplatzhalter 3"/>
+          <p:cNvSpPr>
+            <a:spLocks noGrp="1"/>
+          </p:cNvSpPr>
+          <p:nvPr>
+            <p:ph type="sldNum" sz="quarter" idx="5"/>
+          </p:nvPr>
+        </p:nvSpPr>
+        <p:spPr/>
+        <p:txBody>
+          <a:bodyPr/>
+          <a:lstStyle/>
+          <a:p>
+            <a:fld id="{E54DE1D2-C551-470C-AA50-8540EF68326A}" type="slidenum">
+              <a:rPr lang="de-AT" altLang="de-DE" smtClean="0"/>
+              <a:pPr/>
+              <a:t>7</a:t>
+            </a:fld>
+            <a:endParaRPr lang="de-AT" altLang="de-DE"/>
+          </a:p>
+        </p:txBody>
+      </p:sp>
+    </p:spTree>
+    <p:extLst>
+      <p:ext uri="{BB962C8B-B14F-4D97-AF65-F5344CB8AC3E}">
+        <p14:creationId xmlns:p14="http://schemas.microsoft.com/office/powerpoint/2010/main" val="538947352"/>
+      </p:ext>
+    </p:extLst>
+  </p:cSld>
+  <p:clrMapOvr>
+    <a:masterClrMapping/>
+  </p:clrMapOvr>
+</p:notes>
+</file>
+
+<file path=ppt/notesSlides/notesSlide8.xml><?xml version="1.0" encoding="utf-8"?>
+<p:notes xmlns:a="http://schemas.openxmlformats.org/drawingml/2006/main" xmlns:r="http://schemas.openxmlformats.org/officeDocument/2006/relationships" xmlns:p="http://schemas.openxmlformats.org/presentationml/2006/main">
+  <p:cSld>
+    <p:spTree>
+      <p:nvGrpSpPr>
+        <p:cNvPr id="1" name=""/>
+        <p:cNvGrpSpPr/>
+        <p:nvPr/>
+      </p:nvGrpSpPr>
+      <p:grpSpPr>
+        <a:xfrm>
+          <a:off x="0" y="0"/>
+          <a:ext cx="0" cy="0"/>
+          <a:chOff x="0" y="0"/>
+          <a:chExt cx="0" cy="0"/>
+        </a:xfrm>
+      </p:grpSpPr>
+      <p:sp>
+        <p:nvSpPr>
+          <p:cNvPr id="2" name="Folienbildplatzhalter 1"/>
+          <p:cNvSpPr>
+            <a:spLocks noGrp="1" noRot="1" noChangeAspect="1"/>
+          </p:cNvSpPr>
+          <p:nvPr>
+            <p:ph type="sldImg"/>
+          </p:nvPr>
+        </p:nvSpPr>
+        <p:spPr/>
+      </p:sp>
+      <p:sp>
+        <p:nvSpPr>
+          <p:cNvPr id="3" name="Notizenplatzhalter 2"/>
+          <p:cNvSpPr>
+            <a:spLocks noGrp="1"/>
+          </p:cNvSpPr>
+          <p:nvPr>
+            <p:ph type="body" idx="1"/>
+          </p:nvPr>
+        </p:nvSpPr>
+        <p:spPr/>
+        <p:txBody>
+          <a:bodyPr/>
+          <a:lstStyle/>
+          <a:p>
+            <a:r>
+              <a:rPr lang="en-GB" dirty="0" err="1"/>
+              <a:t>Distortos</a:t>
+            </a:r>
+            <a:r>
+              <a:rPr lang="en-GB" dirty="0"/>
+              <a:t> is an </a:t>
+            </a:r>
+            <a:r>
+              <a:rPr lang="de-DE" dirty="0" err="1"/>
+              <a:t>object-oriented</a:t>
+            </a:r>
+            <a:r>
+              <a:rPr lang="de-DE" dirty="0"/>
+              <a:t> C++ RTOS </a:t>
+            </a:r>
+            <a:r>
+              <a:rPr lang="de-DE" dirty="0" err="1"/>
+              <a:t>for</a:t>
+            </a:r>
+            <a:r>
+              <a:rPr lang="de-DE" dirty="0"/>
+              <a:t> </a:t>
+            </a:r>
+            <a:r>
+              <a:rPr lang="de-DE" dirty="0" err="1"/>
+              <a:t>microcontrollers</a:t>
+            </a:r>
+            <a:endParaRPr lang="de-DE" dirty="0"/>
+          </a:p>
+          <a:p>
+            <a:endParaRPr lang="en-GB" dirty="0"/>
+          </a:p>
+          <a:p>
+            <a:r>
+              <a:rPr lang="en-US" dirty="0" err="1"/>
+              <a:t>StratifyOS</a:t>
+            </a:r>
+            <a:r>
+              <a:rPr lang="en-US" dirty="0"/>
+              <a:t> is a powerful embedded RTOS for the ARM Cortex M microcontrollers.</a:t>
+            </a:r>
+          </a:p>
+          <a:p>
+            <a:endParaRPr lang="en-US" dirty="0"/>
+          </a:p>
+          <a:p>
+            <a:r>
+              <a:rPr lang="en-US" dirty="0" err="1"/>
+              <a:t>Kvasir</a:t>
+            </a:r>
+            <a:r>
+              <a:rPr lang="en-US" dirty="0"/>
+              <a:t> is an open source C++ library. It provides full static checking and super efficient abstractions to special function registers of embedded microcontrollers.</a:t>
+            </a:r>
+          </a:p>
+          <a:p>
+            <a:endParaRPr lang="en-US" dirty="0"/>
+          </a:p>
+          <a:p>
+            <a:r>
+              <a:rPr lang="de-DE" dirty="0" err="1"/>
+              <a:t>modm</a:t>
+            </a:r>
+            <a:r>
+              <a:rPr lang="de-DE" dirty="0"/>
+              <a:t> (</a:t>
+            </a:r>
+            <a:r>
+              <a:rPr lang="de-DE" dirty="0" err="1"/>
+              <a:t>pronounced</a:t>
+            </a:r>
+            <a:r>
+              <a:rPr lang="de-DE" dirty="0"/>
+              <a:t> like </a:t>
+            </a:r>
+            <a:r>
+              <a:rPr lang="de-DE" dirty="0" err="1"/>
+              <a:t>dial-up</a:t>
+            </a:r>
+            <a:r>
+              <a:rPr lang="de-DE" dirty="0"/>
+              <a:t> "</a:t>
+            </a:r>
+            <a:r>
+              <a:rPr lang="de-DE" dirty="0" err="1"/>
+              <a:t>modem</a:t>
+            </a:r>
+            <a:r>
+              <a:rPr lang="de-DE" dirty="0"/>
+              <a:t>") </a:t>
+            </a:r>
+            <a:r>
+              <a:rPr lang="de-DE" dirty="0" err="1"/>
+              <a:t>is</a:t>
+            </a:r>
+            <a:r>
+              <a:rPr lang="de-DE" dirty="0"/>
+              <a:t> a </a:t>
+            </a:r>
+            <a:r>
+              <a:rPr lang="de-DE" dirty="0" err="1"/>
+              <a:t>toolbox</a:t>
+            </a:r>
+            <a:r>
+              <a:rPr lang="de-DE" dirty="0"/>
+              <a:t> </a:t>
+            </a:r>
+            <a:r>
+              <a:rPr lang="de-DE" dirty="0" err="1"/>
+              <a:t>for</a:t>
+            </a:r>
+            <a:r>
+              <a:rPr lang="de-DE" dirty="0"/>
+              <a:t> </a:t>
+            </a:r>
+            <a:r>
+              <a:rPr lang="de-DE" dirty="0" err="1"/>
+              <a:t>building</a:t>
+            </a:r>
+            <a:r>
+              <a:rPr lang="de-DE" dirty="0"/>
+              <a:t> </a:t>
+            </a:r>
+            <a:r>
+              <a:rPr lang="de-DE" dirty="0" err="1"/>
+              <a:t>custom</a:t>
+            </a:r>
+            <a:r>
+              <a:rPr lang="de-DE" dirty="0"/>
+              <a:t> C++17 </a:t>
+            </a:r>
+            <a:r>
+              <a:rPr lang="de-DE" dirty="0" err="1"/>
+              <a:t>libraries</a:t>
+            </a:r>
+            <a:r>
+              <a:rPr lang="de-DE" dirty="0"/>
+              <a:t> </a:t>
+            </a:r>
+            <a:r>
+              <a:rPr lang="de-DE" dirty="0" err="1"/>
+              <a:t>tailored</a:t>
+            </a:r>
+            <a:r>
+              <a:rPr lang="de-DE" dirty="0"/>
+              <a:t> </a:t>
+            </a:r>
+            <a:r>
+              <a:rPr lang="de-DE" dirty="0" err="1"/>
+              <a:t>to</a:t>
+            </a:r>
+            <a:r>
+              <a:rPr lang="de-DE" dirty="0"/>
+              <a:t> </a:t>
+            </a:r>
+            <a:r>
+              <a:rPr lang="de-DE" dirty="0" err="1"/>
+              <a:t>your</a:t>
+            </a:r>
+            <a:r>
+              <a:rPr lang="de-DE" dirty="0"/>
+              <a:t> </a:t>
+            </a:r>
+            <a:r>
+              <a:rPr lang="de-DE" dirty="0" err="1"/>
+              <a:t>embedded</a:t>
+            </a:r>
+            <a:r>
+              <a:rPr lang="de-DE" dirty="0"/>
+              <a:t> </a:t>
+            </a:r>
+            <a:r>
+              <a:rPr lang="de-DE" dirty="0" err="1"/>
+              <a:t>device</a:t>
+            </a:r>
+            <a:r>
+              <a:rPr lang="de-DE" dirty="0"/>
+              <a:t>. </a:t>
+            </a:r>
+            <a:r>
+              <a:rPr lang="de-DE" dirty="0" err="1"/>
+              <a:t>modm</a:t>
+            </a:r>
+            <a:r>
+              <a:rPr lang="de-DE" dirty="0"/>
+              <a:t> </a:t>
+            </a:r>
+            <a:r>
+              <a:rPr lang="de-DE" dirty="0" err="1"/>
+              <a:t>generates</a:t>
+            </a:r>
+            <a:r>
+              <a:rPr lang="de-DE" dirty="0"/>
+              <a:t> </a:t>
+            </a:r>
+            <a:r>
+              <a:rPr lang="de-DE" dirty="0" err="1"/>
+              <a:t>startup</a:t>
+            </a:r>
+            <a:r>
+              <a:rPr lang="de-DE" dirty="0"/>
+              <a:t> code, HALs and </a:t>
+            </a:r>
+            <a:r>
+              <a:rPr lang="de-DE" dirty="0" err="1"/>
+              <a:t>their</a:t>
+            </a:r>
+            <a:r>
+              <a:rPr lang="de-DE" dirty="0"/>
+              <a:t> </a:t>
+            </a:r>
+            <a:r>
+              <a:rPr lang="de-DE" dirty="0" err="1"/>
+              <a:t>implementations</a:t>
+            </a:r>
+            <a:r>
+              <a:rPr lang="de-DE" dirty="0"/>
+              <a:t>, </a:t>
+            </a:r>
+            <a:r>
+              <a:rPr lang="de-DE" dirty="0" err="1"/>
+              <a:t>communication</a:t>
+            </a:r>
+            <a:r>
+              <a:rPr lang="de-DE" dirty="0"/>
+              <a:t> </a:t>
+            </a:r>
+            <a:r>
+              <a:rPr lang="de-DE" dirty="0" err="1"/>
+              <a:t>protocols</a:t>
+            </a:r>
+            <a:r>
+              <a:rPr lang="de-DE" dirty="0"/>
+              <a:t>, </a:t>
+            </a:r>
+            <a:r>
+              <a:rPr lang="de-DE" dirty="0" err="1"/>
+              <a:t>drivers</a:t>
+            </a:r>
+            <a:r>
+              <a:rPr lang="de-DE" dirty="0"/>
+              <a:t> </a:t>
+            </a:r>
+            <a:r>
+              <a:rPr lang="de-DE" dirty="0" err="1"/>
+              <a:t>for</a:t>
+            </a:r>
+            <a:r>
+              <a:rPr lang="de-DE" dirty="0"/>
+              <a:t> external </a:t>
+            </a:r>
+            <a:r>
+              <a:rPr lang="de-DE" dirty="0" err="1"/>
+              <a:t>devices</a:t>
+            </a:r>
+            <a:r>
+              <a:rPr lang="de-DE" dirty="0"/>
+              <a:t>, BSPs, etc… in a modular, </a:t>
+            </a:r>
+            <a:r>
+              <a:rPr lang="de-DE" dirty="0" err="1"/>
+              <a:t>customizable</a:t>
+            </a:r>
+            <a:r>
+              <a:rPr lang="de-DE" dirty="0"/>
+              <a:t> </a:t>
+            </a:r>
+            <a:r>
+              <a:rPr lang="de-DE" dirty="0" err="1"/>
+              <a:t>process</a:t>
+            </a:r>
+            <a:r>
+              <a:rPr lang="de-DE" dirty="0"/>
+              <a:t> </a:t>
+            </a:r>
+            <a:r>
+              <a:rPr lang="de-DE" dirty="0" err="1"/>
+              <a:t>that</a:t>
+            </a:r>
+            <a:r>
+              <a:rPr lang="de-DE" dirty="0"/>
+              <a:t> </a:t>
+            </a:r>
+            <a:r>
+              <a:rPr lang="de-DE" dirty="0" err="1"/>
+              <a:t>you</a:t>
+            </a:r>
+            <a:r>
+              <a:rPr lang="de-DE" dirty="0"/>
+              <a:t> </a:t>
+            </a:r>
+            <a:r>
+              <a:rPr lang="de-DE" dirty="0" err="1"/>
+              <a:t>can</a:t>
+            </a:r>
+            <a:r>
+              <a:rPr lang="de-DE" dirty="0"/>
+              <a:t> </a:t>
+            </a:r>
+            <a:r>
+              <a:rPr lang="de-DE" dirty="0" err="1"/>
+              <a:t>fine</a:t>
+            </a:r>
+            <a:r>
+              <a:rPr lang="de-DE" dirty="0"/>
+              <a:t>-tune </a:t>
+            </a:r>
+            <a:r>
+              <a:rPr lang="de-DE" dirty="0" err="1"/>
+              <a:t>to</a:t>
+            </a:r>
+            <a:r>
+              <a:rPr lang="de-DE" dirty="0"/>
+              <a:t> </a:t>
+            </a:r>
+            <a:r>
+              <a:rPr lang="de-DE" dirty="0" err="1"/>
+              <a:t>your</a:t>
+            </a:r>
+            <a:r>
+              <a:rPr lang="de-DE" dirty="0"/>
+              <a:t> </a:t>
+            </a:r>
+            <a:r>
+              <a:rPr lang="de-DE" dirty="0" err="1"/>
+              <a:t>needs</a:t>
+            </a:r>
+            <a:r>
+              <a:rPr lang="de-DE" dirty="0"/>
+              <a:t>.</a:t>
+            </a:r>
+          </a:p>
+          <a:p>
+            <a:endParaRPr lang="de-DE" dirty="0"/>
+          </a:p>
+          <a:p>
+            <a:r>
+              <a:rPr lang="en-US" dirty="0"/>
+              <a:t>The Embedded Multicore Building Blocks (EMB²) are a domain-independent open source C/C++ library that solves this problem by simplifying parallel programming. This way, EMB² helps to increase product quality and development productivity. </a:t>
+            </a:r>
+          </a:p>
+          <a:p>
+            <a:endParaRPr lang="en-US" dirty="0"/>
+          </a:p>
+          <a:p>
+            <a:endParaRPr lang="de-DE" dirty="0"/>
+          </a:p>
+          <a:p>
+            <a:endParaRPr lang="de-DE" dirty="0"/>
+          </a:p>
+          <a:p>
+            <a:endParaRPr lang="en-GB" dirty="0"/>
+          </a:p>
+          <a:p>
+            <a:r>
+              <a:rPr lang="en-GB" dirty="0"/>
+              <a:t>	</a:t>
+            </a:r>
+          </a:p>
+        </p:txBody>
+      </p:sp>
+      <p:sp>
+        <p:nvSpPr>
+          <p:cNvPr id="4" name="Foliennummernplatzhalter 3"/>
+          <p:cNvSpPr>
+            <a:spLocks noGrp="1"/>
+          </p:cNvSpPr>
+          <p:nvPr>
+            <p:ph type="sldNum" sz="quarter" idx="5"/>
+          </p:nvPr>
+        </p:nvSpPr>
+        <p:spPr/>
+        <p:txBody>
+          <a:bodyPr/>
+          <a:lstStyle/>
+          <a:p>
+            <a:fld id="{E54DE1D2-C551-470C-AA50-8540EF68326A}" type="slidenum">
+              <a:rPr lang="de-AT" altLang="de-DE" smtClean="0"/>
+              <a:pPr/>
+              <a:t>8</a:t>
+            </a:fld>
+            <a:endParaRPr lang="de-AT" altLang="de-DE"/>
+          </a:p>
+        </p:txBody>
+      </p:sp>
+    </p:spTree>
+    <p:extLst>
+      <p:ext uri="{BB962C8B-B14F-4D97-AF65-F5344CB8AC3E}">
+        <p14:creationId xmlns:p14="http://schemas.microsoft.com/office/powerpoint/2010/main" val="4134283729"/>
+      </p:ext>
+    </p:extLst>
+  </p:cSld>
+  <p:clrMapOvr>
+    <a:masterClrMapping/>
+  </p:clrMapOvr>
+</p:notes>
+</file>
+
+<file path=ppt/notesSlides/notesSlide9.xml><?xml version="1.0" encoding="utf-8"?>
+<p:notes xmlns:a="http://schemas.openxmlformats.org/drawingml/2006/main" xmlns:r="http://schemas.openxmlformats.org/officeDocument/2006/relationships" xmlns:p="http://schemas.openxmlformats.org/presentationml/2006/main">
+  <p:cSld>
+    <p:spTree>
+      <p:nvGrpSpPr>
+        <p:cNvPr id="1" name=""/>
+        <p:cNvGrpSpPr/>
+        <p:nvPr/>
+      </p:nvGrpSpPr>
+      <p:grpSpPr>
+        <a:xfrm>
+          <a:off x="0" y="0"/>
+          <a:ext cx="0" cy="0"/>
+          <a:chOff x="0" y="0"/>
+          <a:chExt cx="0" cy="0"/>
+        </a:xfrm>
+      </p:grpSpPr>
+      <p:sp>
+        <p:nvSpPr>
+          <p:cNvPr id="2" name="Folienbildplatzhalter 1"/>
+          <p:cNvSpPr>
+            <a:spLocks noGrp="1" noRot="1" noChangeAspect="1"/>
+          </p:cNvSpPr>
+          <p:nvPr>
+            <p:ph type="sldImg"/>
+          </p:nvPr>
+        </p:nvSpPr>
+        <p:spPr/>
+      </p:sp>
+      <p:sp>
+        <p:nvSpPr>
+          <p:cNvPr id="3" name="Notizenplatzhalter 2"/>
+          <p:cNvSpPr>
+            <a:spLocks noGrp="1"/>
+          </p:cNvSpPr>
+          <p:nvPr>
+            <p:ph type="body" idx="1"/>
+          </p:nvPr>
+        </p:nvSpPr>
+        <p:spPr/>
+        <p:txBody>
+          <a:bodyPr/>
+          <a:lstStyle/>
+          <a:p>
+            <a:endParaRPr lang="en-GB"/>
+          </a:p>
+        </p:txBody>
+      </p:sp>
+      <p:sp>
+        <p:nvSpPr>
+          <p:cNvPr id="4" name="Foliennummernplatzhalter 3"/>
+          <p:cNvSpPr>
+            <a:spLocks noGrp="1"/>
+          </p:cNvSpPr>
+          <p:nvPr>
+            <p:ph type="sldNum" sz="quarter" idx="5"/>
+          </p:nvPr>
+        </p:nvSpPr>
+        <p:spPr/>
+        <p:txBody>
+          <a:bodyPr/>
+          <a:lstStyle/>
+          <a:p>
+            <a:fld id="{E54DE1D2-C551-470C-AA50-8540EF68326A}" type="slidenum">
+              <a:rPr lang="de-AT" altLang="de-DE" smtClean="0"/>
+              <a:pPr/>
+              <a:t>10</a:t>
+            </a:fld>
+            <a:endParaRPr lang="de-AT" altLang="de-DE"/>
+          </a:p>
+        </p:txBody>
+      </p:sp>
+    </p:spTree>
+    <p:extLst>
+      <p:ext uri="{BB962C8B-B14F-4D97-AF65-F5344CB8AC3E}">
+        <p14:creationId xmlns:p14="http://schemas.microsoft.com/office/powerpoint/2010/main" val="1208050310"/>
+      </p:ext>
+    </p:extLst>
+  </p:cSld>
+  <p:clrMapOvr>
+    <a:masterClrMapping/>
+  </p:clrMapOvr>
+</p:notes>
 </file>
 
 <file path=ppt/slideLayouts/slideLayout1.xml><?xml version="1.0" encoding="utf-8"?>
@@ -2896,28 +5519,8 @@
               <a:rPr lang="en-GB" altLang="de-DE" dirty="0"/>
             </a:br>
             <a:r>
-              <a:rPr lang="de-DE" sz="2400" dirty="0" err="1"/>
-              <a:t>Assessing</a:t>
-            </a:r>
-            <a:r>
-              <a:rPr lang="de-DE" sz="2400" dirty="0"/>
-              <a:t> OO </a:t>
-            </a:r>
-            <a:r>
-              <a:rPr lang="de-DE" sz="2400" dirty="0" err="1"/>
-              <a:t>concepts</a:t>
-            </a:r>
-            <a:r>
-              <a:rPr lang="de-DE" sz="2400" dirty="0"/>
-              <a:t> </a:t>
-            </a:r>
-            <a:r>
-              <a:rPr lang="de-DE" sz="2400" dirty="0" err="1"/>
-              <a:t>for</a:t>
-            </a:r>
-            <a:r>
-              <a:rPr lang="de-DE" sz="2400" dirty="0"/>
-              <a:t> Embedded Systems</a:t>
+              <a:rPr lang="en-GB" sz="2400" dirty="0"/>
+              <a:t>Assessing OO concepts for Embedded Systems</a:t>
             </a:r>
             <a:br>
               <a:rPr lang="de-DE" dirty="0"/>
@@ -3025,6 +5628,175 @@
 </file>
 
 <file path=ppt/slides/slide10.xml><?xml version="1.0" encoding="utf-8"?>
+<p:sld xmlns:a="http://schemas.openxmlformats.org/drawingml/2006/main" xmlns:r="http://schemas.openxmlformats.org/officeDocument/2006/relationships" xmlns:p="http://schemas.openxmlformats.org/presentationml/2006/main">
+  <p:cSld>
+    <p:spTree>
+      <p:nvGrpSpPr>
+        <p:cNvPr id="1" name=""/>
+        <p:cNvGrpSpPr/>
+        <p:nvPr/>
+      </p:nvGrpSpPr>
+      <p:grpSpPr>
+        <a:xfrm>
+          <a:off x="0" y="0"/>
+          <a:ext cx="0" cy="0"/>
+          <a:chOff x="0" y="0"/>
+          <a:chExt cx="0" cy="0"/>
+        </a:xfrm>
+      </p:grpSpPr>
+      <p:sp>
+        <p:nvSpPr>
+          <p:cNvPr id="2" name="Titel 1">
+            <a:extLst>
+              <a:ext uri="{FF2B5EF4-FFF2-40B4-BE49-F238E27FC236}">
+                <a16:creationId xmlns:a16="http://schemas.microsoft.com/office/drawing/2014/main" id="{A8992AC3-5713-4978-AA81-85FE8BE7B62A}"/>
+              </a:ext>
+            </a:extLst>
+          </p:cNvPr>
+          <p:cNvSpPr>
+            <a:spLocks noGrp="1"/>
+          </p:cNvSpPr>
+          <p:nvPr>
+            <p:ph type="title"/>
+          </p:nvPr>
+        </p:nvSpPr>
+        <p:spPr/>
+        <p:txBody>
+          <a:bodyPr/>
+          <a:lstStyle/>
+          <a:p>
+            <a:r>
+              <a:rPr lang="en-GB" dirty="0">
+                <a:solidFill>
+                  <a:srgbClr val="0070C0"/>
+                </a:solidFill>
+              </a:rPr>
+              <a:t>Questions</a:t>
+            </a:r>
+          </a:p>
+        </p:txBody>
+      </p:sp>
+      <p:pic>
+        <p:nvPicPr>
+          <p:cNvPr id="7" name="Inhaltsplatzhalter 6">
+            <a:extLst>
+              <a:ext uri="{FF2B5EF4-FFF2-40B4-BE49-F238E27FC236}">
+                <a16:creationId xmlns:a16="http://schemas.microsoft.com/office/drawing/2014/main" id="{28D7FB13-F038-4EB1-B470-8CC767A6FD77}"/>
+              </a:ext>
+            </a:extLst>
+          </p:cNvPr>
+          <p:cNvPicPr>
+            <a:picLocks noGrp="1" noChangeAspect="1"/>
+          </p:cNvPicPr>
+          <p:nvPr>
+            <p:ph idx="1"/>
+          </p:nvPr>
+        </p:nvPicPr>
+        <p:blipFill>
+          <a:blip r:embed="rId3">
+            <a:extLst>
+              <a:ext uri="{28A0092B-C50C-407E-A947-70E740481C1C}">
+                <a14:useLocalDpi xmlns:a14="http://schemas.microsoft.com/office/drawing/2010/main" val="0"/>
+              </a:ext>
+            </a:extLst>
+          </a:blip>
+          <a:stretch>
+            <a:fillRect/>
+          </a:stretch>
+        </p:blipFill>
+        <p:spPr>
+          <a:xfrm>
+            <a:off x="580855" y="1916832"/>
+            <a:ext cx="7848600" cy="3411738"/>
+          </a:xfrm>
+        </p:spPr>
+      </p:pic>
+      <p:sp>
+        <p:nvSpPr>
+          <p:cNvPr id="4" name="Foliennummernplatzhalter 3">
+            <a:extLst>
+              <a:ext uri="{FF2B5EF4-FFF2-40B4-BE49-F238E27FC236}">
+                <a16:creationId xmlns:a16="http://schemas.microsoft.com/office/drawing/2014/main" id="{A451B679-EFCC-4417-8C09-88B248F2D8DA}"/>
+              </a:ext>
+            </a:extLst>
+          </p:cNvPr>
+          <p:cNvSpPr>
+            <a:spLocks noGrp="1"/>
+          </p:cNvSpPr>
+          <p:nvPr>
+            <p:ph type="sldNum" sz="quarter" idx="10"/>
+          </p:nvPr>
+        </p:nvSpPr>
+        <p:spPr/>
+        <p:txBody>
+          <a:bodyPr/>
+          <a:lstStyle/>
+          <a:p>
+            <a:endParaRPr lang="de-AT" altLang="de-DE"/>
+          </a:p>
+          <a:p>
+            <a:fld id="{8E2537F6-9D11-4C86-AC1D-08DF07BF0B27}" type="slidenum">
+              <a:rPr lang="de-AT" altLang="de-DE" sz="800" smtClean="0">
+                <a:solidFill>
+                  <a:srgbClr val="626B71"/>
+                </a:solidFill>
+              </a:rPr>
+              <a:pPr/>
+              <a:t>10</a:t>
+            </a:fld>
+            <a:endParaRPr lang="de-AT" altLang="de-DE" sz="800">
+              <a:solidFill>
+                <a:srgbClr val="626B71"/>
+              </a:solidFill>
+            </a:endParaRPr>
+          </a:p>
+        </p:txBody>
+      </p:sp>
+      <p:sp>
+        <p:nvSpPr>
+          <p:cNvPr id="5" name="Fußzeilenplatzhalter 4">
+            <a:extLst>
+              <a:ext uri="{FF2B5EF4-FFF2-40B4-BE49-F238E27FC236}">
+                <a16:creationId xmlns:a16="http://schemas.microsoft.com/office/drawing/2014/main" id="{0C68D4F6-4C1A-4AD2-AAAF-F10555EA4DFA}"/>
+              </a:ext>
+            </a:extLst>
+          </p:cNvPr>
+          <p:cNvSpPr>
+            <a:spLocks noGrp="1"/>
+          </p:cNvSpPr>
+          <p:nvPr>
+            <p:ph type="ftr" sz="quarter" idx="11"/>
+          </p:nvPr>
+        </p:nvSpPr>
+        <p:spPr/>
+        <p:txBody>
+          <a:bodyPr/>
+          <a:lstStyle/>
+          <a:p>
+            <a:pPr>
+              <a:defRPr/>
+            </a:pPr>
+            <a:r>
+              <a:rPr lang="de-AT"/>
+              <a:t>© FH Technikum Wien</a:t>
+            </a:r>
+          </a:p>
+        </p:txBody>
+      </p:sp>
+    </p:spTree>
+    <p:extLst>
+      <p:ext uri="{BB962C8B-B14F-4D97-AF65-F5344CB8AC3E}">
+        <p14:creationId xmlns:p14="http://schemas.microsoft.com/office/powerpoint/2010/main" val="4274635017"/>
+      </p:ext>
+    </p:extLst>
+  </p:cSld>
+  <p:clrMapOvr>
+    <a:masterClrMapping/>
+  </p:clrMapOvr>
+</p:sld>
+</file>
+
+<file path=ppt/slides/slide11.xml><?xml version="1.0" encoding="utf-8"?>
 <p:sld xmlns:a="http://schemas.openxmlformats.org/drawingml/2006/main" xmlns:r="http://schemas.openxmlformats.org/officeDocument/2006/relationships" xmlns:p="http://schemas.openxmlformats.org/presentationml/2006/main">
   <p:cSld>
     <p:spTree>
@@ -3167,7 +5939,7 @@
                 </a:solidFill>
               </a:rPr>
               <a:pPr/>
-              <a:t>10</a:t>
+              <a:t>11</a:t>
             </a:fld>
             <a:endParaRPr lang="de-AT" altLang="de-DE" sz="800">
               <a:solidFill>
@@ -4287,7 +7059,7 @@
 </p:sld>
 </file>
 
-<file path=ppt/slides/slide11.xml><?xml version="1.0" encoding="utf-8"?>
+<file path=ppt/slides/slide12.xml><?xml version="1.0" encoding="utf-8"?>
 <p:sld xmlns:a="http://schemas.openxmlformats.org/drawingml/2006/main" xmlns:r="http://schemas.openxmlformats.org/officeDocument/2006/relationships" xmlns:p="http://schemas.openxmlformats.org/presentationml/2006/main">
   <p:cSld>
     <p:spTree>
@@ -4423,7 +7195,7 @@
                 </a:solidFill>
               </a:rPr>
               <a:pPr/>
-              <a:t>11</a:t>
+              <a:t>12</a:t>
             </a:fld>
             <a:endParaRPr lang="de-AT" altLang="de-DE" sz="800">
               <a:solidFill>
@@ -5520,7 +8292,7 @@
 </p:sld>
 </file>
 
-<file path=ppt/slides/slide12.xml><?xml version="1.0" encoding="utf-8"?>
+<file path=ppt/slides/slide13.xml><?xml version="1.0" encoding="utf-8"?>
 <p:sld xmlns:a="http://schemas.openxmlformats.org/drawingml/2006/main" xmlns:r="http://schemas.openxmlformats.org/officeDocument/2006/relationships" xmlns:p="http://schemas.openxmlformats.org/presentationml/2006/main">
   <p:cSld>
     <p:spTree>
@@ -5661,7 +8433,7 @@
                 </a:solidFill>
               </a:rPr>
               <a:pPr/>
-              <a:t>12</a:t>
+              <a:t>13</a:t>
             </a:fld>
             <a:endParaRPr lang="de-AT" altLang="de-DE" sz="800">
               <a:solidFill>
@@ -6588,7 +9360,7 @@
 </p:sld>
 </file>
 
-<file path=ppt/slides/slide13.xml><?xml version="1.0" encoding="utf-8"?>
+<file path=ppt/slides/slide14.xml><?xml version="1.0" encoding="utf-8"?>
 <p:sld xmlns:a="http://schemas.openxmlformats.org/drawingml/2006/main" xmlns:r="http://schemas.openxmlformats.org/officeDocument/2006/relationships" xmlns:p="http://schemas.openxmlformats.org/presentationml/2006/main">
   <p:cSld>
     <p:spTree>
@@ -6668,7 +9440,7 @@
                 </a:solidFill>
               </a:rPr>
               <a:pPr/>
-              <a:t>13</a:t>
+              <a:t>14</a:t>
             </a:fld>
             <a:endParaRPr lang="de-AT" altLang="de-DE" sz="800">
               <a:solidFill>
@@ -7109,7 +9881,7 @@
 </p:sld>
 </file>
 
-<file path=ppt/slides/slide14.xml><?xml version="1.0" encoding="utf-8"?>
+<file path=ppt/slides/slide15.xml><?xml version="1.0" encoding="utf-8"?>
 <p:sld xmlns:a="http://schemas.openxmlformats.org/drawingml/2006/main" xmlns:r="http://schemas.openxmlformats.org/officeDocument/2006/relationships" xmlns:p="http://schemas.openxmlformats.org/presentationml/2006/main">
   <p:cSld>
     <p:spTree>
@@ -7380,7 +10152,7 @@
                 </a:solidFill>
               </a:rPr>
               <a:pPr/>
-              <a:t>14</a:t>
+              <a:t>15</a:t>
             </a:fld>
             <a:endParaRPr lang="de-AT" altLang="de-DE" sz="800">
               <a:solidFill>
@@ -8180,7 +10952,7 @@
 </p:sld>
 </file>
 
-<file path=ppt/slides/slide15.xml><?xml version="1.0" encoding="utf-8"?>
+<file path=ppt/slides/slide16.xml><?xml version="1.0" encoding="utf-8"?>
 <p:sld xmlns:a="http://schemas.openxmlformats.org/drawingml/2006/main" xmlns:r="http://schemas.openxmlformats.org/officeDocument/2006/relationships" xmlns:p="http://schemas.openxmlformats.org/presentationml/2006/main">
   <p:cSld>
     <p:spTree>
@@ -8324,7 +11096,7 @@
                 </a:solidFill>
               </a:rPr>
               <a:pPr/>
-              <a:t>15</a:t>
+              <a:t>16</a:t>
             </a:fld>
             <a:endParaRPr lang="de-AT" altLang="de-DE" sz="800">
               <a:solidFill>
@@ -10026,7 +12798,7 @@
 </p:sld>
 </file>
 
-<file path=ppt/slides/slide16.xml><?xml version="1.0" encoding="utf-8"?>
+<file path=ppt/slides/slide17.xml><?xml version="1.0" encoding="utf-8"?>
 <p:sld xmlns:a="http://schemas.openxmlformats.org/drawingml/2006/main" xmlns:r="http://schemas.openxmlformats.org/officeDocument/2006/relationships" xmlns:p="http://schemas.openxmlformats.org/presentationml/2006/main">
   <p:cSld>
     <p:spTree>
@@ -10106,7 +12878,7 @@
                 </a:solidFill>
               </a:rPr>
               <a:pPr/>
-              <a:t>16</a:t>
+              <a:t>17</a:t>
             </a:fld>
             <a:endParaRPr lang="de-AT" altLang="de-DE" sz="800">
               <a:solidFill>
@@ -11149,7 +13921,7 @@
 </p:sld>
 </file>
 
-<file path=ppt/slides/slide17.xml><?xml version="1.0" encoding="utf-8"?>
+<file path=ppt/slides/slide18.xml><?xml version="1.0" encoding="utf-8"?>
 <p:sld xmlns:a="http://schemas.openxmlformats.org/drawingml/2006/main" xmlns:r="http://schemas.openxmlformats.org/officeDocument/2006/relationships" xmlns:p="http://schemas.openxmlformats.org/presentationml/2006/main">
   <p:cSld>
     <p:spTree>
@@ -11286,7 +14058,7 @@
                 </a:solidFill>
               </a:rPr>
               <a:pPr/>
-              <a:t>17</a:t>
+              <a:t>18</a:t>
             </a:fld>
             <a:endParaRPr lang="de-AT" altLang="de-DE" sz="800" dirty="0">
               <a:solidFill>
@@ -13267,7 +16039,7 @@
 </p:sld>
 </file>
 
-<file path=ppt/slides/slide18.xml><?xml version="1.0" encoding="utf-8"?>
+<file path=ppt/slides/slide19.xml><?xml version="1.0" encoding="utf-8"?>
 <p:sld xmlns:a="http://schemas.openxmlformats.org/drawingml/2006/main" xmlns:r="http://schemas.openxmlformats.org/officeDocument/2006/relationships" xmlns:p="http://schemas.openxmlformats.org/presentationml/2006/main">
   <p:cSld>
     <p:spTree>
@@ -13403,7 +16175,7 @@
                 </a:solidFill>
               </a:rPr>
               <a:pPr/>
-              <a:t>18</a:t>
+              <a:t>19</a:t>
             </a:fld>
             <a:endParaRPr lang="de-AT" altLang="de-DE" sz="800">
               <a:solidFill>
@@ -14699,13 +17471,49 @@
               <a:t> </a:t>
             </a:r>
             <a:r>
+              <a:rPr lang="de-DE" sz="1400" b="1" dirty="0" err="1">
+                <a:solidFill>
+                  <a:srgbClr val="000000"/>
+                </a:solidFill>
+                <a:latin typeface="Courier New" panose="02070309020205020404" pitchFamily="49" charset="0"/>
+              </a:rPr>
+              <a:t>set_baudrate</a:t>
+            </a:r>
+            <a:r>
+              <a:rPr lang="de-DE" sz="1400" b="1" dirty="0">
+                <a:solidFill>
+                  <a:srgbClr val="000080"/>
+                </a:solidFill>
+                <a:latin typeface="Courier New" panose="02070309020205020404" pitchFamily="49" charset="0"/>
+              </a:rPr>
+              <a:t>(</a:t>
+            </a:r>
+            <a:r>
               <a:rPr lang="de-DE" sz="1400" dirty="0" err="1">
                 <a:solidFill>
-                  <a:srgbClr val="000000"/>
-                </a:solidFill>
-                <a:latin typeface="Courier New" panose="02070309020205020404" pitchFamily="49" charset="0"/>
-              </a:rPr>
-              <a:t>set_baudrate</a:t>
+                  <a:srgbClr val="8000FF"/>
+                </a:solidFill>
+                <a:latin typeface="Courier New" panose="02070309020205020404" pitchFamily="49" charset="0"/>
+              </a:rPr>
+              <a:t>int</a:t>
+            </a:r>
+            <a:r>
+              <a:rPr lang="de-DE" sz="1400" dirty="0">
+                <a:solidFill>
+                  <a:srgbClr val="000000"/>
+                </a:solidFill>
+                <a:latin typeface="Courier New" panose="02070309020205020404" pitchFamily="49" charset="0"/>
+              </a:rPr>
+              <a:t> </a:t>
+            </a:r>
+            <a:r>
+              <a:rPr lang="de-DE" sz="1400" dirty="0" err="1">
+                <a:solidFill>
+                  <a:srgbClr val="000000"/>
+                </a:solidFill>
+                <a:latin typeface="Courier New" panose="02070309020205020404" pitchFamily="49" charset="0"/>
+              </a:rPr>
+              <a:t>baudate</a:t>
             </a:r>
             <a:r>
               <a:rPr lang="de-DE" sz="1400" b="1" dirty="0">
@@ -14714,8 +17522,19 @@
                 </a:solidFill>
                 <a:latin typeface="Courier New" panose="02070309020205020404" pitchFamily="49" charset="0"/>
               </a:rPr>
-              <a:t>(</a:t>
-            </a:r>
+              <a:t>){};</a:t>
+            </a:r>
+            <a:r>
+              <a:rPr lang="de-DE" sz="1400" dirty="0">
+                <a:solidFill>
+                  <a:srgbClr val="000000"/>
+                </a:solidFill>
+                <a:latin typeface="Courier New" panose="02070309020205020404" pitchFamily="49" charset="0"/>
+              </a:rPr>
+              <a:t> </a:t>
+            </a:r>
+          </a:p>
+          <a:p>
             <a:r>
               <a:rPr lang="de-DE" sz="1400" dirty="0" err="1">
                 <a:solidFill>
@@ -14723,7 +17542,7 @@
                 </a:solidFill>
                 <a:latin typeface="Courier New" panose="02070309020205020404" pitchFamily="49" charset="0"/>
               </a:rPr>
-              <a:t>int</a:t>
+              <a:t>void</a:t>
             </a:r>
             <a:r>
               <a:rPr lang="de-DE" sz="1400" dirty="0">
@@ -14735,54 +17554,7 @@
               <a:t> </a:t>
             </a:r>
             <a:r>
-              <a:rPr lang="de-DE" sz="1400" dirty="0" err="1">
-                <a:solidFill>
-                  <a:srgbClr val="000000"/>
-                </a:solidFill>
-                <a:latin typeface="Courier New" panose="02070309020205020404" pitchFamily="49" charset="0"/>
-              </a:rPr>
-              <a:t>baudate</a:t>
-            </a:r>
-            <a:r>
-              <a:rPr lang="de-DE" sz="1400" b="1" dirty="0">
-                <a:solidFill>
-                  <a:srgbClr val="000080"/>
-                </a:solidFill>
-                <a:latin typeface="Courier New" panose="02070309020205020404" pitchFamily="49" charset="0"/>
-              </a:rPr>
-              <a:t>){};</a:t>
-            </a:r>
-            <a:r>
-              <a:rPr lang="de-DE" sz="1400" dirty="0">
-                <a:solidFill>
-                  <a:srgbClr val="000000"/>
-                </a:solidFill>
-                <a:latin typeface="Courier New" panose="02070309020205020404" pitchFamily="49" charset="0"/>
-              </a:rPr>
-              <a:t> </a:t>
-            </a:r>
-          </a:p>
-          <a:p>
-            <a:r>
-              <a:rPr lang="de-DE" sz="1400" dirty="0" err="1">
-                <a:solidFill>
-                  <a:srgbClr val="8000FF"/>
-                </a:solidFill>
-                <a:latin typeface="Courier New" panose="02070309020205020404" pitchFamily="49" charset="0"/>
-              </a:rPr>
-              <a:t>void</a:t>
-            </a:r>
-            <a:r>
-              <a:rPr lang="de-DE" sz="1400" dirty="0">
-                <a:solidFill>
-                  <a:srgbClr val="000000"/>
-                </a:solidFill>
-                <a:latin typeface="Courier New" panose="02070309020205020404" pitchFamily="49" charset="0"/>
-              </a:rPr>
-              <a:t> </a:t>
-            </a:r>
-            <a:r>
-              <a:rPr lang="de-DE" sz="1400" dirty="0" err="1">
+              <a:rPr lang="de-DE" sz="1400" b="1" dirty="0" err="1">
                 <a:solidFill>
                   <a:srgbClr val="000000"/>
                 </a:solidFill>
@@ -14853,7 +17625,7 @@
               <a:t>void </a:t>
             </a:r>
             <a:r>
-              <a:rPr lang="en-US" sz="1400" dirty="0" err="1">
+              <a:rPr lang="en-US" sz="1400" b="1" dirty="0" err="1">
                 <a:solidFill>
                   <a:srgbClr val="000000"/>
                 </a:solidFill>
@@ -15180,721 +17952,6 @@
     <p:extLst>
       <p:ext uri="{BB962C8B-B14F-4D97-AF65-F5344CB8AC3E}">
         <p14:creationId xmlns:p14="http://schemas.microsoft.com/office/powerpoint/2010/main" val="29729787"/>
-      </p:ext>
-    </p:extLst>
-  </p:cSld>
-  <p:clrMapOvr>
-    <a:masterClrMapping/>
-  </p:clrMapOvr>
-</p:sld>
-</file>
-
-<file path=ppt/slides/slide19.xml><?xml version="1.0" encoding="utf-8"?>
-<p:sld xmlns:a="http://schemas.openxmlformats.org/drawingml/2006/main" xmlns:r="http://schemas.openxmlformats.org/officeDocument/2006/relationships" xmlns:p="http://schemas.openxmlformats.org/presentationml/2006/main">
-  <p:cSld>
-    <p:spTree>
-      <p:nvGrpSpPr>
-        <p:cNvPr id="1" name=""/>
-        <p:cNvGrpSpPr/>
-        <p:nvPr/>
-      </p:nvGrpSpPr>
-      <p:grpSpPr>
-        <a:xfrm>
-          <a:off x="0" y="0"/>
-          <a:ext cx="0" cy="0"/>
-          <a:chOff x="0" y="0"/>
-          <a:chExt cx="0" cy="0"/>
-        </a:xfrm>
-      </p:grpSpPr>
-      <p:sp>
-        <p:nvSpPr>
-          <p:cNvPr id="2" name="Titel 1">
-            <a:extLst>
-              <a:ext uri="{FF2B5EF4-FFF2-40B4-BE49-F238E27FC236}">
-                <a16:creationId xmlns:a16="http://schemas.microsoft.com/office/drawing/2014/main" id="{80248D2B-32EB-41C2-A8ED-6357FE1B1084}"/>
-              </a:ext>
-            </a:extLst>
-          </p:cNvPr>
-          <p:cNvSpPr>
-            <a:spLocks noGrp="1"/>
-          </p:cNvSpPr>
-          <p:nvPr>
-            <p:ph type="title"/>
-          </p:nvPr>
-        </p:nvSpPr>
-        <p:spPr/>
-        <p:txBody>
-          <a:bodyPr/>
-          <a:lstStyle/>
-          <a:p>
-            <a:r>
-              <a:rPr lang="en-GB" dirty="0">
-                <a:solidFill>
-                  <a:srgbClr val="0070C0"/>
-                </a:solidFill>
-              </a:rPr>
-              <a:t>Classes 4 (Virtual Function Table)</a:t>
-            </a:r>
-          </a:p>
-        </p:txBody>
-      </p:sp>
-      <p:sp>
-        <p:nvSpPr>
-          <p:cNvPr id="5" name="Foliennummernplatzhalter 4">
-            <a:extLst>
-              <a:ext uri="{FF2B5EF4-FFF2-40B4-BE49-F238E27FC236}">
-                <a16:creationId xmlns:a16="http://schemas.microsoft.com/office/drawing/2014/main" id="{BCF3FBDC-D12C-4998-9D01-F7AC64BBE548}"/>
-              </a:ext>
-            </a:extLst>
-          </p:cNvPr>
-          <p:cNvSpPr>
-            <a:spLocks noGrp="1"/>
-          </p:cNvSpPr>
-          <p:nvPr>
-            <p:ph type="sldNum" sz="quarter" idx="13"/>
-          </p:nvPr>
-        </p:nvSpPr>
-        <p:spPr/>
-        <p:txBody>
-          <a:bodyPr/>
-          <a:lstStyle/>
-          <a:p>
-            <a:endParaRPr lang="de-AT" altLang="de-DE"/>
-          </a:p>
-          <a:p>
-            <a:fld id="{4734F6CD-91AF-4C8E-B3F4-484C9EA40952}" type="slidenum">
-              <a:rPr lang="de-AT" altLang="de-DE" sz="800" smtClean="0">
-                <a:solidFill>
-                  <a:srgbClr val="626B71"/>
-                </a:solidFill>
-              </a:rPr>
-              <a:pPr/>
-              <a:t>19</a:t>
-            </a:fld>
-            <a:endParaRPr lang="de-AT" altLang="de-DE" sz="800">
-              <a:solidFill>
-                <a:srgbClr val="626B71"/>
-              </a:solidFill>
-            </a:endParaRPr>
-          </a:p>
-        </p:txBody>
-      </p:sp>
-      <p:sp>
-        <p:nvSpPr>
-          <p:cNvPr id="6" name="Fußzeilenplatzhalter 5">
-            <a:extLst>
-              <a:ext uri="{FF2B5EF4-FFF2-40B4-BE49-F238E27FC236}">
-                <a16:creationId xmlns:a16="http://schemas.microsoft.com/office/drawing/2014/main" id="{E460CD40-BC12-4F8F-A748-8940F1793F24}"/>
-              </a:ext>
-            </a:extLst>
-          </p:cNvPr>
-          <p:cNvSpPr>
-            <a:spLocks noGrp="1"/>
-          </p:cNvSpPr>
-          <p:nvPr>
-            <p:ph type="ftr" sz="quarter" idx="14"/>
-          </p:nvPr>
-        </p:nvSpPr>
-        <p:spPr/>
-        <p:txBody>
-          <a:bodyPr/>
-          <a:lstStyle/>
-          <a:p>
-            <a:pPr>
-              <a:defRPr/>
-            </a:pPr>
-            <a:r>
-              <a:rPr lang="de-AT"/>
-              <a:t>© FH Technikum Wien</a:t>
-            </a:r>
-          </a:p>
-        </p:txBody>
-      </p:sp>
-      <p:sp>
-        <p:nvSpPr>
-          <p:cNvPr id="7" name="Rechteck 6">
-            <a:extLst>
-              <a:ext uri="{FF2B5EF4-FFF2-40B4-BE49-F238E27FC236}">
-                <a16:creationId xmlns:a16="http://schemas.microsoft.com/office/drawing/2014/main" id="{9AF9BE0F-6FEE-4F79-84AB-0722A2FE49A8}"/>
-              </a:ext>
-            </a:extLst>
-          </p:cNvPr>
-          <p:cNvSpPr/>
-          <p:nvPr/>
-        </p:nvSpPr>
-        <p:spPr>
-          <a:xfrm>
-            <a:off x="683568" y="1916832"/>
-            <a:ext cx="4572000" cy="3416320"/>
-          </a:xfrm>
-          <a:prstGeom prst="rect">
-            <a:avLst/>
-          </a:prstGeom>
-        </p:spPr>
-        <p:txBody>
-          <a:bodyPr>
-            <a:spAutoFit/>
-          </a:bodyPr>
-          <a:lstStyle/>
-          <a:p>
-            <a:r>
-              <a:rPr lang="en-GB" dirty="0">
-                <a:solidFill>
-                  <a:srgbClr val="8000FF"/>
-                </a:solidFill>
-                <a:highlight>
-                  <a:srgbClr val="FFFFFF"/>
-                </a:highlight>
-                <a:latin typeface="Courier New" panose="02070309020205020404" pitchFamily="49" charset="0"/>
-              </a:rPr>
-              <a:t>void</a:t>
-            </a:r>
-            <a:r>
-              <a:rPr lang="en-GB" dirty="0">
-                <a:solidFill>
-                  <a:srgbClr val="000000"/>
-                </a:solidFill>
-                <a:highlight>
-                  <a:srgbClr val="FFFFFF"/>
-                </a:highlight>
-                <a:latin typeface="Courier New" panose="02070309020205020404" pitchFamily="49" charset="0"/>
-              </a:rPr>
-              <a:t> send</a:t>
-            </a:r>
-            <a:r>
-              <a:rPr lang="en-GB" b="1" dirty="0">
-                <a:solidFill>
-                  <a:srgbClr val="000080"/>
-                </a:solidFill>
-                <a:highlight>
-                  <a:srgbClr val="FFFFFF"/>
-                </a:highlight>
-                <a:latin typeface="Courier New" panose="02070309020205020404" pitchFamily="49" charset="0"/>
-              </a:rPr>
-              <a:t>(</a:t>
-            </a:r>
-            <a:r>
-              <a:rPr lang="en-GB" dirty="0">
-                <a:solidFill>
-                  <a:srgbClr val="000000"/>
-                </a:solidFill>
-                <a:highlight>
-                  <a:srgbClr val="FFFFFF"/>
-                </a:highlight>
-                <a:latin typeface="Courier New" panose="02070309020205020404" pitchFamily="49" charset="0"/>
-              </a:rPr>
-              <a:t>Com</a:t>
-            </a:r>
-            <a:r>
-              <a:rPr lang="en-GB" b="1" dirty="0">
-                <a:solidFill>
-                  <a:srgbClr val="000080"/>
-                </a:solidFill>
-                <a:highlight>
-                  <a:srgbClr val="FFFFFF"/>
-                </a:highlight>
-                <a:latin typeface="Courier New" panose="02070309020205020404" pitchFamily="49" charset="0"/>
-              </a:rPr>
-              <a:t>&amp;</a:t>
-            </a:r>
-            <a:r>
-              <a:rPr lang="en-GB" dirty="0">
-                <a:solidFill>
-                  <a:srgbClr val="000000"/>
-                </a:solidFill>
-                <a:highlight>
-                  <a:srgbClr val="FFFFFF"/>
-                </a:highlight>
-                <a:latin typeface="Courier New" panose="02070309020205020404" pitchFamily="49" charset="0"/>
-              </a:rPr>
-              <a:t> </a:t>
-            </a:r>
-            <a:r>
-              <a:rPr lang="en-GB" dirty="0" err="1">
-                <a:solidFill>
-                  <a:srgbClr val="000000"/>
-                </a:solidFill>
-                <a:highlight>
-                  <a:srgbClr val="FFFFFF"/>
-                </a:highlight>
-                <a:latin typeface="Courier New" panose="02070309020205020404" pitchFamily="49" charset="0"/>
-              </a:rPr>
-              <a:t>arg</a:t>
-            </a:r>
-            <a:r>
-              <a:rPr lang="en-GB" b="1" dirty="0">
-                <a:solidFill>
-                  <a:srgbClr val="000080"/>
-                </a:solidFill>
-                <a:highlight>
-                  <a:srgbClr val="FFFFFF"/>
-                </a:highlight>
-                <a:latin typeface="Courier New" panose="02070309020205020404" pitchFamily="49" charset="0"/>
-              </a:rPr>
-              <a:t>)</a:t>
-            </a:r>
-            <a:r>
-              <a:rPr lang="en-GB" dirty="0">
-                <a:solidFill>
-                  <a:srgbClr val="000000"/>
-                </a:solidFill>
-                <a:highlight>
-                  <a:srgbClr val="FFFFFF"/>
-                </a:highlight>
-                <a:latin typeface="Courier New" panose="02070309020205020404" pitchFamily="49" charset="0"/>
-              </a:rPr>
-              <a:t> </a:t>
-            </a:r>
-            <a:r>
-              <a:rPr lang="en-GB" b="1" dirty="0">
-                <a:solidFill>
-                  <a:srgbClr val="000080"/>
-                </a:solidFill>
-                <a:highlight>
-                  <a:srgbClr val="FFFFFF"/>
-                </a:highlight>
-                <a:latin typeface="Courier New" panose="02070309020205020404" pitchFamily="49" charset="0"/>
-              </a:rPr>
-              <a:t>{</a:t>
-            </a:r>
-            <a:endParaRPr lang="en-GB" dirty="0">
-              <a:solidFill>
-                <a:srgbClr val="000000"/>
-              </a:solidFill>
-              <a:highlight>
-                <a:srgbClr val="FFFFFF"/>
-              </a:highlight>
-              <a:latin typeface="Courier New" panose="02070309020205020404" pitchFamily="49" charset="0"/>
-            </a:endParaRPr>
-          </a:p>
-          <a:p>
-            <a:r>
-              <a:rPr lang="en-GB" dirty="0">
-                <a:solidFill>
-                  <a:srgbClr val="000000"/>
-                </a:solidFill>
-                <a:highlight>
-                  <a:srgbClr val="FFFFFF"/>
-                </a:highlight>
-                <a:latin typeface="Courier New" panose="02070309020205020404" pitchFamily="49" charset="0"/>
-              </a:rPr>
-              <a:t>  </a:t>
-            </a:r>
-            <a:r>
-              <a:rPr lang="en-GB" dirty="0" err="1">
-                <a:solidFill>
-                  <a:srgbClr val="000000"/>
-                </a:solidFill>
-                <a:highlight>
-                  <a:srgbClr val="FFFFFF"/>
-                </a:highlight>
-                <a:latin typeface="Courier New" panose="02070309020205020404" pitchFamily="49" charset="0"/>
-              </a:rPr>
-              <a:t>arg</a:t>
-            </a:r>
-            <a:r>
-              <a:rPr lang="en-GB" b="1" dirty="0" err="1">
-                <a:solidFill>
-                  <a:srgbClr val="000080"/>
-                </a:solidFill>
-                <a:highlight>
-                  <a:srgbClr val="FFFFFF"/>
-                </a:highlight>
-                <a:latin typeface="Courier New" panose="02070309020205020404" pitchFamily="49" charset="0"/>
-              </a:rPr>
-              <a:t>.</a:t>
-            </a:r>
-            <a:r>
-              <a:rPr lang="en-GB" dirty="0" err="1">
-                <a:solidFill>
-                  <a:srgbClr val="000000"/>
-                </a:solidFill>
-                <a:highlight>
-                  <a:srgbClr val="FFFFFF"/>
-                </a:highlight>
-                <a:latin typeface="Courier New" panose="02070309020205020404" pitchFamily="49" charset="0"/>
-              </a:rPr>
-              <a:t>send_byte</a:t>
-            </a:r>
-            <a:r>
-              <a:rPr lang="en-GB" b="1" dirty="0">
-                <a:solidFill>
-                  <a:srgbClr val="000080"/>
-                </a:solidFill>
-                <a:highlight>
-                  <a:srgbClr val="FFFFFF"/>
-                </a:highlight>
-                <a:latin typeface="Courier New" panose="02070309020205020404" pitchFamily="49" charset="0"/>
-              </a:rPr>
-              <a:t>(</a:t>
-            </a:r>
-            <a:r>
-              <a:rPr lang="en-GB" dirty="0">
-                <a:solidFill>
-                  <a:srgbClr val="808080"/>
-                </a:solidFill>
-                <a:highlight>
-                  <a:srgbClr val="FFFFFF"/>
-                </a:highlight>
-                <a:latin typeface="Courier New" panose="02070309020205020404" pitchFamily="49" charset="0"/>
-              </a:rPr>
-              <a:t>'A'</a:t>
-            </a:r>
-            <a:r>
-              <a:rPr lang="en-GB" b="1" dirty="0">
-                <a:solidFill>
-                  <a:srgbClr val="000080"/>
-                </a:solidFill>
-                <a:highlight>
-                  <a:srgbClr val="FFFFFF"/>
-                </a:highlight>
-                <a:latin typeface="Courier New" panose="02070309020205020404" pitchFamily="49" charset="0"/>
-              </a:rPr>
-              <a:t>);</a:t>
-            </a:r>
-            <a:endParaRPr lang="en-GB" dirty="0">
-              <a:solidFill>
-                <a:srgbClr val="000000"/>
-              </a:solidFill>
-              <a:highlight>
-                <a:srgbClr val="FFFFFF"/>
-              </a:highlight>
-              <a:latin typeface="Courier New" panose="02070309020205020404" pitchFamily="49" charset="0"/>
-            </a:endParaRPr>
-          </a:p>
-          <a:p>
-            <a:r>
-              <a:rPr lang="en-GB" b="1" dirty="0">
-                <a:solidFill>
-                  <a:srgbClr val="000080"/>
-                </a:solidFill>
-                <a:highlight>
-                  <a:srgbClr val="FFFFFF"/>
-                </a:highlight>
-                <a:latin typeface="Courier New" panose="02070309020205020404" pitchFamily="49" charset="0"/>
-              </a:rPr>
-              <a:t>}</a:t>
-            </a:r>
-            <a:endParaRPr lang="en-GB" dirty="0">
-              <a:solidFill>
-                <a:srgbClr val="000000"/>
-              </a:solidFill>
-              <a:highlight>
-                <a:srgbClr val="FFFFFF"/>
-              </a:highlight>
-              <a:latin typeface="Courier New" panose="02070309020205020404" pitchFamily="49" charset="0"/>
-            </a:endParaRPr>
-          </a:p>
-          <a:p>
-            <a:endParaRPr lang="en-GB" dirty="0">
-              <a:solidFill>
-                <a:srgbClr val="000000"/>
-              </a:solidFill>
-              <a:highlight>
-                <a:srgbClr val="FFFFFF"/>
-              </a:highlight>
-              <a:latin typeface="Courier New" panose="02070309020205020404" pitchFamily="49" charset="0"/>
-            </a:endParaRPr>
-          </a:p>
-          <a:p>
-            <a:r>
-              <a:rPr lang="en-GB" dirty="0">
-                <a:solidFill>
-                  <a:srgbClr val="8000FF"/>
-                </a:solidFill>
-                <a:highlight>
-                  <a:srgbClr val="FFFFFF"/>
-                </a:highlight>
-                <a:latin typeface="Courier New" panose="02070309020205020404" pitchFamily="49" charset="0"/>
-              </a:rPr>
-              <a:t>int</a:t>
-            </a:r>
-            <a:r>
-              <a:rPr lang="en-GB" dirty="0">
-                <a:solidFill>
-                  <a:srgbClr val="000000"/>
-                </a:solidFill>
-                <a:highlight>
-                  <a:srgbClr val="FFFFFF"/>
-                </a:highlight>
-                <a:latin typeface="Courier New" panose="02070309020205020404" pitchFamily="49" charset="0"/>
-              </a:rPr>
-              <a:t> main</a:t>
-            </a:r>
-            <a:r>
-              <a:rPr lang="en-GB" b="1" dirty="0">
-                <a:solidFill>
-                  <a:srgbClr val="000080"/>
-                </a:solidFill>
-                <a:highlight>
-                  <a:srgbClr val="FFFFFF"/>
-                </a:highlight>
-                <a:latin typeface="Courier New" panose="02070309020205020404" pitchFamily="49" charset="0"/>
-              </a:rPr>
-              <a:t>(</a:t>
-            </a:r>
-            <a:r>
-              <a:rPr lang="en-GB" dirty="0">
-                <a:solidFill>
-                  <a:srgbClr val="8000FF"/>
-                </a:solidFill>
-                <a:highlight>
-                  <a:srgbClr val="FFFFFF"/>
-                </a:highlight>
-                <a:latin typeface="Courier New" panose="02070309020205020404" pitchFamily="49" charset="0"/>
-              </a:rPr>
-              <a:t>void</a:t>
-            </a:r>
-            <a:r>
-              <a:rPr lang="en-GB" b="1" dirty="0">
-                <a:solidFill>
-                  <a:srgbClr val="000080"/>
-                </a:solidFill>
-                <a:highlight>
-                  <a:srgbClr val="FFFFFF"/>
-                </a:highlight>
-                <a:latin typeface="Courier New" panose="02070309020205020404" pitchFamily="49" charset="0"/>
-              </a:rPr>
-              <a:t>){</a:t>
-            </a:r>
-            <a:endParaRPr lang="en-GB" dirty="0">
-              <a:solidFill>
-                <a:srgbClr val="000000"/>
-              </a:solidFill>
-              <a:highlight>
-                <a:srgbClr val="FFFFFF"/>
-              </a:highlight>
-              <a:latin typeface="Courier New" panose="02070309020205020404" pitchFamily="49" charset="0"/>
-            </a:endParaRPr>
-          </a:p>
-          <a:p>
-            <a:r>
-              <a:rPr lang="en-GB" dirty="0">
-                <a:solidFill>
-                  <a:srgbClr val="000000"/>
-                </a:solidFill>
-                <a:highlight>
-                  <a:srgbClr val="FFFFFF"/>
-                </a:highlight>
-                <a:latin typeface="Courier New" panose="02070309020205020404" pitchFamily="49" charset="0"/>
-              </a:rPr>
-              <a:t>  </a:t>
-            </a:r>
-          </a:p>
-          <a:p>
-            <a:r>
-              <a:rPr lang="en-GB" dirty="0">
-                <a:solidFill>
-                  <a:srgbClr val="000000"/>
-                </a:solidFill>
-                <a:highlight>
-                  <a:srgbClr val="FFFFFF"/>
-                </a:highlight>
-                <a:latin typeface="Courier New" panose="02070309020205020404" pitchFamily="49" charset="0"/>
-              </a:rPr>
-              <a:t>  Serial ser</a:t>
-            </a:r>
-            <a:r>
-              <a:rPr lang="en-GB" b="1" dirty="0">
-                <a:solidFill>
-                  <a:srgbClr val="000080"/>
-                </a:solidFill>
-                <a:highlight>
-                  <a:srgbClr val="FFFFFF"/>
-                </a:highlight>
-                <a:latin typeface="Courier New" panose="02070309020205020404" pitchFamily="49" charset="0"/>
-              </a:rPr>
-              <a:t>;</a:t>
-            </a:r>
-            <a:endParaRPr lang="en-GB" dirty="0">
-              <a:solidFill>
-                <a:srgbClr val="000000"/>
-              </a:solidFill>
-              <a:highlight>
-                <a:srgbClr val="FFFFFF"/>
-              </a:highlight>
-              <a:latin typeface="Courier New" panose="02070309020205020404" pitchFamily="49" charset="0"/>
-            </a:endParaRPr>
-          </a:p>
-          <a:p>
-            <a:r>
-              <a:rPr lang="en-GB" dirty="0">
-                <a:solidFill>
-                  <a:srgbClr val="000000"/>
-                </a:solidFill>
-                <a:highlight>
-                  <a:srgbClr val="FFFFFF"/>
-                </a:highlight>
-                <a:latin typeface="Courier New" panose="02070309020205020404" pitchFamily="49" charset="0"/>
-              </a:rPr>
-              <a:t>  </a:t>
-            </a:r>
-          </a:p>
-          <a:p>
-            <a:r>
-              <a:rPr lang="en-GB" dirty="0">
-                <a:solidFill>
-                  <a:srgbClr val="000000"/>
-                </a:solidFill>
-                <a:highlight>
-                  <a:srgbClr val="FFFFFF"/>
-                </a:highlight>
-                <a:latin typeface="Courier New" panose="02070309020205020404" pitchFamily="49" charset="0"/>
-              </a:rPr>
-              <a:t>  send</a:t>
-            </a:r>
-            <a:r>
-              <a:rPr lang="en-GB" b="1" dirty="0">
-                <a:solidFill>
-                  <a:srgbClr val="000080"/>
-                </a:solidFill>
-                <a:highlight>
-                  <a:srgbClr val="FFFFFF"/>
-                </a:highlight>
-                <a:latin typeface="Courier New" panose="02070309020205020404" pitchFamily="49" charset="0"/>
-              </a:rPr>
-              <a:t>(</a:t>
-            </a:r>
-            <a:r>
-              <a:rPr lang="en-GB" dirty="0">
-                <a:solidFill>
-                  <a:srgbClr val="000000"/>
-                </a:solidFill>
-                <a:highlight>
-                  <a:srgbClr val="FFFFFF"/>
-                </a:highlight>
-                <a:latin typeface="Courier New" panose="02070309020205020404" pitchFamily="49" charset="0"/>
-              </a:rPr>
-              <a:t>ser</a:t>
-            </a:r>
-            <a:r>
-              <a:rPr lang="en-GB" b="1" dirty="0">
-                <a:solidFill>
-                  <a:srgbClr val="000080"/>
-                </a:solidFill>
-                <a:highlight>
-                  <a:srgbClr val="FFFFFF"/>
-                </a:highlight>
-                <a:latin typeface="Courier New" panose="02070309020205020404" pitchFamily="49" charset="0"/>
-              </a:rPr>
-              <a:t>);</a:t>
-            </a:r>
-            <a:endParaRPr lang="en-GB" dirty="0">
-              <a:solidFill>
-                <a:srgbClr val="000000"/>
-              </a:solidFill>
-              <a:highlight>
-                <a:srgbClr val="FFFFFF"/>
-              </a:highlight>
-              <a:latin typeface="Courier New" panose="02070309020205020404" pitchFamily="49" charset="0"/>
-            </a:endParaRPr>
-          </a:p>
-          <a:p>
-            <a:r>
-              <a:rPr lang="en-GB" dirty="0">
-                <a:solidFill>
-                  <a:srgbClr val="000000"/>
-                </a:solidFill>
-                <a:highlight>
-                  <a:srgbClr val="FFFFFF"/>
-                </a:highlight>
-                <a:latin typeface="Courier New" panose="02070309020205020404" pitchFamily="49" charset="0"/>
-              </a:rPr>
-              <a:t>  </a:t>
-            </a:r>
-          </a:p>
-          <a:p>
-            <a:r>
-              <a:rPr lang="en-GB" dirty="0">
-                <a:solidFill>
-                  <a:srgbClr val="000000"/>
-                </a:solidFill>
-                <a:highlight>
-                  <a:srgbClr val="FFFFFF"/>
-                </a:highlight>
-                <a:latin typeface="Courier New" panose="02070309020205020404" pitchFamily="49" charset="0"/>
-              </a:rPr>
-              <a:t>  </a:t>
-            </a:r>
-            <a:r>
-              <a:rPr lang="en-GB" b="1" dirty="0">
-                <a:solidFill>
-                  <a:srgbClr val="0000FF"/>
-                </a:solidFill>
-                <a:highlight>
-                  <a:srgbClr val="FFFFFF"/>
-                </a:highlight>
-                <a:latin typeface="Courier New" panose="02070309020205020404" pitchFamily="49" charset="0"/>
-              </a:rPr>
-              <a:t>return</a:t>
-            </a:r>
-            <a:r>
-              <a:rPr lang="en-GB" dirty="0">
-                <a:solidFill>
-                  <a:srgbClr val="000000"/>
-                </a:solidFill>
-                <a:highlight>
-                  <a:srgbClr val="FFFFFF"/>
-                </a:highlight>
-                <a:latin typeface="Courier New" panose="02070309020205020404" pitchFamily="49" charset="0"/>
-              </a:rPr>
-              <a:t> </a:t>
-            </a:r>
-            <a:r>
-              <a:rPr lang="en-GB" dirty="0">
-                <a:solidFill>
-                  <a:srgbClr val="FF8000"/>
-                </a:solidFill>
-                <a:highlight>
-                  <a:srgbClr val="FFFFFF"/>
-                </a:highlight>
-                <a:latin typeface="Courier New" panose="02070309020205020404" pitchFamily="49" charset="0"/>
-              </a:rPr>
-              <a:t>1</a:t>
-            </a:r>
-            <a:r>
-              <a:rPr lang="en-GB" b="1" dirty="0">
-                <a:solidFill>
-                  <a:srgbClr val="000080"/>
-                </a:solidFill>
-                <a:highlight>
-                  <a:srgbClr val="FFFFFF"/>
-                </a:highlight>
-                <a:latin typeface="Courier New" panose="02070309020205020404" pitchFamily="49" charset="0"/>
-              </a:rPr>
-              <a:t>;</a:t>
-            </a:r>
-            <a:endParaRPr lang="en-GB" dirty="0">
-              <a:solidFill>
-                <a:srgbClr val="000000"/>
-              </a:solidFill>
-              <a:highlight>
-                <a:srgbClr val="FFFFFF"/>
-              </a:highlight>
-              <a:latin typeface="Courier New" panose="02070309020205020404" pitchFamily="49" charset="0"/>
-            </a:endParaRPr>
-          </a:p>
-          <a:p>
-            <a:r>
-              <a:rPr lang="en-GB" b="1" dirty="0">
-                <a:solidFill>
-                  <a:srgbClr val="000080"/>
-                </a:solidFill>
-                <a:highlight>
-                  <a:srgbClr val="FFFFFF"/>
-                </a:highlight>
-                <a:latin typeface="Courier New" panose="02070309020205020404" pitchFamily="49" charset="0"/>
-              </a:rPr>
-              <a:t>}</a:t>
-            </a:r>
-            <a:endParaRPr lang="en-GB" dirty="0"/>
-          </a:p>
-        </p:txBody>
-      </p:sp>
-    </p:spTree>
-    <p:extLst>
-      <p:ext uri="{BB962C8B-B14F-4D97-AF65-F5344CB8AC3E}">
-        <p14:creationId xmlns:p14="http://schemas.microsoft.com/office/powerpoint/2010/main" val="2332470375"/>
       </p:ext>
     </p:extLst>
   </p:cSld>
@@ -16098,7 +18155,7 @@
           <p:nvPr/>
         </p:nvPicPr>
         <p:blipFill>
-          <a:blip r:embed="rId2">
+          <a:blip r:embed="rId3">
             <a:extLst>
               <a:ext uri="{28A0092B-C50C-407E-A947-70E740481C1C}">
                 <a14:useLocalDpi xmlns:a14="http://schemas.microsoft.com/office/drawing/2010/main" val="0"/>
@@ -16134,7 +18191,7 @@
           <p:nvPr/>
         </p:nvPicPr>
         <p:blipFill>
-          <a:blip r:embed="rId3">
+          <a:blip r:embed="rId4">
             <a:extLst>
               <a:ext uri="{28A0092B-C50C-407E-A947-70E740481C1C}">
                 <a14:useLocalDpi xmlns:a14="http://schemas.microsoft.com/office/drawing/2010/main" val="0"/>
@@ -16159,6 +18216,721 @@
     <p:extLst>
       <p:ext uri="{BB962C8B-B14F-4D97-AF65-F5344CB8AC3E}">
         <p14:creationId xmlns:p14="http://schemas.microsoft.com/office/powerpoint/2010/main" val="2895560153"/>
+      </p:ext>
+    </p:extLst>
+  </p:cSld>
+  <p:clrMapOvr>
+    <a:masterClrMapping/>
+  </p:clrMapOvr>
+</p:sld>
+</file>
+
+<file path=ppt/slides/slide20.xml><?xml version="1.0" encoding="utf-8"?>
+<p:sld xmlns:a="http://schemas.openxmlformats.org/drawingml/2006/main" xmlns:r="http://schemas.openxmlformats.org/officeDocument/2006/relationships" xmlns:p="http://schemas.openxmlformats.org/presentationml/2006/main">
+  <p:cSld>
+    <p:spTree>
+      <p:nvGrpSpPr>
+        <p:cNvPr id="1" name=""/>
+        <p:cNvGrpSpPr/>
+        <p:nvPr/>
+      </p:nvGrpSpPr>
+      <p:grpSpPr>
+        <a:xfrm>
+          <a:off x="0" y="0"/>
+          <a:ext cx="0" cy="0"/>
+          <a:chOff x="0" y="0"/>
+          <a:chExt cx="0" cy="0"/>
+        </a:xfrm>
+      </p:grpSpPr>
+      <p:sp>
+        <p:nvSpPr>
+          <p:cNvPr id="2" name="Titel 1">
+            <a:extLst>
+              <a:ext uri="{FF2B5EF4-FFF2-40B4-BE49-F238E27FC236}">
+                <a16:creationId xmlns:a16="http://schemas.microsoft.com/office/drawing/2014/main" id="{80248D2B-32EB-41C2-A8ED-6357FE1B1084}"/>
+              </a:ext>
+            </a:extLst>
+          </p:cNvPr>
+          <p:cNvSpPr>
+            <a:spLocks noGrp="1"/>
+          </p:cNvSpPr>
+          <p:nvPr>
+            <p:ph type="title"/>
+          </p:nvPr>
+        </p:nvSpPr>
+        <p:spPr/>
+        <p:txBody>
+          <a:bodyPr/>
+          <a:lstStyle/>
+          <a:p>
+            <a:r>
+              <a:rPr lang="en-GB" dirty="0">
+                <a:solidFill>
+                  <a:srgbClr val="0070C0"/>
+                </a:solidFill>
+              </a:rPr>
+              <a:t>Classes 4 (Virtual Function Table)</a:t>
+            </a:r>
+          </a:p>
+        </p:txBody>
+      </p:sp>
+      <p:sp>
+        <p:nvSpPr>
+          <p:cNvPr id="5" name="Foliennummernplatzhalter 4">
+            <a:extLst>
+              <a:ext uri="{FF2B5EF4-FFF2-40B4-BE49-F238E27FC236}">
+                <a16:creationId xmlns:a16="http://schemas.microsoft.com/office/drawing/2014/main" id="{BCF3FBDC-D12C-4998-9D01-F7AC64BBE548}"/>
+              </a:ext>
+            </a:extLst>
+          </p:cNvPr>
+          <p:cNvSpPr>
+            <a:spLocks noGrp="1"/>
+          </p:cNvSpPr>
+          <p:nvPr>
+            <p:ph type="sldNum" sz="quarter" idx="13"/>
+          </p:nvPr>
+        </p:nvSpPr>
+        <p:spPr/>
+        <p:txBody>
+          <a:bodyPr/>
+          <a:lstStyle/>
+          <a:p>
+            <a:endParaRPr lang="de-AT" altLang="de-DE"/>
+          </a:p>
+          <a:p>
+            <a:fld id="{4734F6CD-91AF-4C8E-B3F4-484C9EA40952}" type="slidenum">
+              <a:rPr lang="de-AT" altLang="de-DE" sz="800" smtClean="0">
+                <a:solidFill>
+                  <a:srgbClr val="626B71"/>
+                </a:solidFill>
+              </a:rPr>
+              <a:pPr/>
+              <a:t>20</a:t>
+            </a:fld>
+            <a:endParaRPr lang="de-AT" altLang="de-DE" sz="800">
+              <a:solidFill>
+                <a:srgbClr val="626B71"/>
+              </a:solidFill>
+            </a:endParaRPr>
+          </a:p>
+        </p:txBody>
+      </p:sp>
+      <p:sp>
+        <p:nvSpPr>
+          <p:cNvPr id="6" name="Fußzeilenplatzhalter 5">
+            <a:extLst>
+              <a:ext uri="{FF2B5EF4-FFF2-40B4-BE49-F238E27FC236}">
+                <a16:creationId xmlns:a16="http://schemas.microsoft.com/office/drawing/2014/main" id="{E460CD40-BC12-4F8F-A748-8940F1793F24}"/>
+              </a:ext>
+            </a:extLst>
+          </p:cNvPr>
+          <p:cNvSpPr>
+            <a:spLocks noGrp="1"/>
+          </p:cNvSpPr>
+          <p:nvPr>
+            <p:ph type="ftr" sz="quarter" idx="14"/>
+          </p:nvPr>
+        </p:nvSpPr>
+        <p:spPr/>
+        <p:txBody>
+          <a:bodyPr/>
+          <a:lstStyle/>
+          <a:p>
+            <a:pPr>
+              <a:defRPr/>
+            </a:pPr>
+            <a:r>
+              <a:rPr lang="de-AT"/>
+              <a:t>© FH Technikum Wien</a:t>
+            </a:r>
+          </a:p>
+        </p:txBody>
+      </p:sp>
+      <p:sp>
+        <p:nvSpPr>
+          <p:cNvPr id="7" name="Rechteck 6">
+            <a:extLst>
+              <a:ext uri="{FF2B5EF4-FFF2-40B4-BE49-F238E27FC236}">
+                <a16:creationId xmlns:a16="http://schemas.microsoft.com/office/drawing/2014/main" id="{9AF9BE0F-6FEE-4F79-84AB-0722A2FE49A8}"/>
+              </a:ext>
+            </a:extLst>
+          </p:cNvPr>
+          <p:cNvSpPr/>
+          <p:nvPr/>
+        </p:nvSpPr>
+        <p:spPr>
+          <a:xfrm>
+            <a:off x="683568" y="1916832"/>
+            <a:ext cx="4572000" cy="3416320"/>
+          </a:xfrm>
+          <a:prstGeom prst="rect">
+            <a:avLst/>
+          </a:prstGeom>
+        </p:spPr>
+        <p:txBody>
+          <a:bodyPr>
+            <a:spAutoFit/>
+          </a:bodyPr>
+          <a:lstStyle/>
+          <a:p>
+            <a:r>
+              <a:rPr lang="en-GB" dirty="0">
+                <a:solidFill>
+                  <a:srgbClr val="8000FF"/>
+                </a:solidFill>
+                <a:highlight>
+                  <a:srgbClr val="FFFFFF"/>
+                </a:highlight>
+                <a:latin typeface="Courier New" panose="02070309020205020404" pitchFamily="49" charset="0"/>
+              </a:rPr>
+              <a:t>void</a:t>
+            </a:r>
+            <a:r>
+              <a:rPr lang="en-GB" dirty="0">
+                <a:solidFill>
+                  <a:srgbClr val="000000"/>
+                </a:solidFill>
+                <a:highlight>
+                  <a:srgbClr val="FFFFFF"/>
+                </a:highlight>
+                <a:latin typeface="Courier New" panose="02070309020205020404" pitchFamily="49" charset="0"/>
+              </a:rPr>
+              <a:t> send</a:t>
+            </a:r>
+            <a:r>
+              <a:rPr lang="en-GB" b="1" dirty="0">
+                <a:solidFill>
+                  <a:srgbClr val="000080"/>
+                </a:solidFill>
+                <a:highlight>
+                  <a:srgbClr val="FFFFFF"/>
+                </a:highlight>
+                <a:latin typeface="Courier New" panose="02070309020205020404" pitchFamily="49" charset="0"/>
+              </a:rPr>
+              <a:t>(</a:t>
+            </a:r>
+            <a:r>
+              <a:rPr lang="en-GB" dirty="0">
+                <a:solidFill>
+                  <a:srgbClr val="000000"/>
+                </a:solidFill>
+                <a:highlight>
+                  <a:srgbClr val="FFFFFF"/>
+                </a:highlight>
+                <a:latin typeface="Courier New" panose="02070309020205020404" pitchFamily="49" charset="0"/>
+              </a:rPr>
+              <a:t>Com</a:t>
+            </a:r>
+            <a:r>
+              <a:rPr lang="en-GB" b="1" dirty="0">
+                <a:solidFill>
+                  <a:srgbClr val="000080"/>
+                </a:solidFill>
+                <a:highlight>
+                  <a:srgbClr val="FFFFFF"/>
+                </a:highlight>
+                <a:latin typeface="Courier New" panose="02070309020205020404" pitchFamily="49" charset="0"/>
+              </a:rPr>
+              <a:t>&amp;</a:t>
+            </a:r>
+            <a:r>
+              <a:rPr lang="en-GB" dirty="0">
+                <a:solidFill>
+                  <a:srgbClr val="000000"/>
+                </a:solidFill>
+                <a:highlight>
+                  <a:srgbClr val="FFFFFF"/>
+                </a:highlight>
+                <a:latin typeface="Courier New" panose="02070309020205020404" pitchFamily="49" charset="0"/>
+              </a:rPr>
+              <a:t> </a:t>
+            </a:r>
+            <a:r>
+              <a:rPr lang="en-GB" dirty="0" err="1">
+                <a:solidFill>
+                  <a:srgbClr val="000000"/>
+                </a:solidFill>
+                <a:highlight>
+                  <a:srgbClr val="FFFFFF"/>
+                </a:highlight>
+                <a:latin typeface="Courier New" panose="02070309020205020404" pitchFamily="49" charset="0"/>
+              </a:rPr>
+              <a:t>arg</a:t>
+            </a:r>
+            <a:r>
+              <a:rPr lang="en-GB" b="1" dirty="0">
+                <a:solidFill>
+                  <a:srgbClr val="000080"/>
+                </a:solidFill>
+                <a:highlight>
+                  <a:srgbClr val="FFFFFF"/>
+                </a:highlight>
+                <a:latin typeface="Courier New" panose="02070309020205020404" pitchFamily="49" charset="0"/>
+              </a:rPr>
+              <a:t>)</a:t>
+            </a:r>
+            <a:r>
+              <a:rPr lang="en-GB" dirty="0">
+                <a:solidFill>
+                  <a:srgbClr val="000000"/>
+                </a:solidFill>
+                <a:highlight>
+                  <a:srgbClr val="FFFFFF"/>
+                </a:highlight>
+                <a:latin typeface="Courier New" panose="02070309020205020404" pitchFamily="49" charset="0"/>
+              </a:rPr>
+              <a:t> </a:t>
+            </a:r>
+            <a:r>
+              <a:rPr lang="en-GB" b="1" dirty="0">
+                <a:solidFill>
+                  <a:srgbClr val="000080"/>
+                </a:solidFill>
+                <a:highlight>
+                  <a:srgbClr val="FFFFFF"/>
+                </a:highlight>
+                <a:latin typeface="Courier New" panose="02070309020205020404" pitchFamily="49" charset="0"/>
+              </a:rPr>
+              <a:t>{</a:t>
+            </a:r>
+            <a:endParaRPr lang="en-GB" dirty="0">
+              <a:solidFill>
+                <a:srgbClr val="000000"/>
+              </a:solidFill>
+              <a:highlight>
+                <a:srgbClr val="FFFFFF"/>
+              </a:highlight>
+              <a:latin typeface="Courier New" panose="02070309020205020404" pitchFamily="49" charset="0"/>
+            </a:endParaRPr>
+          </a:p>
+          <a:p>
+            <a:r>
+              <a:rPr lang="en-GB" dirty="0">
+                <a:solidFill>
+                  <a:srgbClr val="000000"/>
+                </a:solidFill>
+                <a:highlight>
+                  <a:srgbClr val="FFFFFF"/>
+                </a:highlight>
+                <a:latin typeface="Courier New" panose="02070309020205020404" pitchFamily="49" charset="0"/>
+              </a:rPr>
+              <a:t>  </a:t>
+            </a:r>
+            <a:r>
+              <a:rPr lang="en-GB" dirty="0" err="1">
+                <a:solidFill>
+                  <a:srgbClr val="000000"/>
+                </a:solidFill>
+                <a:highlight>
+                  <a:srgbClr val="FFFFFF"/>
+                </a:highlight>
+                <a:latin typeface="Courier New" panose="02070309020205020404" pitchFamily="49" charset="0"/>
+              </a:rPr>
+              <a:t>arg</a:t>
+            </a:r>
+            <a:r>
+              <a:rPr lang="en-GB" b="1" dirty="0" err="1">
+                <a:solidFill>
+                  <a:srgbClr val="000080"/>
+                </a:solidFill>
+                <a:highlight>
+                  <a:srgbClr val="FFFFFF"/>
+                </a:highlight>
+                <a:latin typeface="Courier New" panose="02070309020205020404" pitchFamily="49" charset="0"/>
+              </a:rPr>
+              <a:t>.</a:t>
+            </a:r>
+            <a:r>
+              <a:rPr lang="en-GB" dirty="0" err="1">
+                <a:solidFill>
+                  <a:srgbClr val="000000"/>
+                </a:solidFill>
+                <a:highlight>
+                  <a:srgbClr val="FFFFFF"/>
+                </a:highlight>
+                <a:latin typeface="Courier New" panose="02070309020205020404" pitchFamily="49" charset="0"/>
+              </a:rPr>
+              <a:t>send_byte</a:t>
+            </a:r>
+            <a:r>
+              <a:rPr lang="en-GB" b="1" dirty="0">
+                <a:solidFill>
+                  <a:srgbClr val="000080"/>
+                </a:solidFill>
+                <a:highlight>
+                  <a:srgbClr val="FFFFFF"/>
+                </a:highlight>
+                <a:latin typeface="Courier New" panose="02070309020205020404" pitchFamily="49" charset="0"/>
+              </a:rPr>
+              <a:t>(</a:t>
+            </a:r>
+            <a:r>
+              <a:rPr lang="en-GB" dirty="0">
+                <a:solidFill>
+                  <a:srgbClr val="808080"/>
+                </a:solidFill>
+                <a:highlight>
+                  <a:srgbClr val="FFFFFF"/>
+                </a:highlight>
+                <a:latin typeface="Courier New" panose="02070309020205020404" pitchFamily="49" charset="0"/>
+              </a:rPr>
+              <a:t>'A'</a:t>
+            </a:r>
+            <a:r>
+              <a:rPr lang="en-GB" b="1" dirty="0">
+                <a:solidFill>
+                  <a:srgbClr val="000080"/>
+                </a:solidFill>
+                <a:highlight>
+                  <a:srgbClr val="FFFFFF"/>
+                </a:highlight>
+                <a:latin typeface="Courier New" panose="02070309020205020404" pitchFamily="49" charset="0"/>
+              </a:rPr>
+              <a:t>);</a:t>
+            </a:r>
+            <a:endParaRPr lang="en-GB" dirty="0">
+              <a:solidFill>
+                <a:srgbClr val="000000"/>
+              </a:solidFill>
+              <a:highlight>
+                <a:srgbClr val="FFFFFF"/>
+              </a:highlight>
+              <a:latin typeface="Courier New" panose="02070309020205020404" pitchFamily="49" charset="0"/>
+            </a:endParaRPr>
+          </a:p>
+          <a:p>
+            <a:r>
+              <a:rPr lang="en-GB" b="1" dirty="0">
+                <a:solidFill>
+                  <a:srgbClr val="000080"/>
+                </a:solidFill>
+                <a:highlight>
+                  <a:srgbClr val="FFFFFF"/>
+                </a:highlight>
+                <a:latin typeface="Courier New" panose="02070309020205020404" pitchFamily="49" charset="0"/>
+              </a:rPr>
+              <a:t>}</a:t>
+            </a:r>
+            <a:endParaRPr lang="en-GB" dirty="0">
+              <a:solidFill>
+                <a:srgbClr val="000000"/>
+              </a:solidFill>
+              <a:highlight>
+                <a:srgbClr val="FFFFFF"/>
+              </a:highlight>
+              <a:latin typeface="Courier New" panose="02070309020205020404" pitchFamily="49" charset="0"/>
+            </a:endParaRPr>
+          </a:p>
+          <a:p>
+            <a:endParaRPr lang="en-GB" dirty="0">
+              <a:solidFill>
+                <a:srgbClr val="000000"/>
+              </a:solidFill>
+              <a:highlight>
+                <a:srgbClr val="FFFFFF"/>
+              </a:highlight>
+              <a:latin typeface="Courier New" panose="02070309020205020404" pitchFamily="49" charset="0"/>
+            </a:endParaRPr>
+          </a:p>
+          <a:p>
+            <a:r>
+              <a:rPr lang="en-GB" dirty="0">
+                <a:solidFill>
+                  <a:srgbClr val="8000FF"/>
+                </a:solidFill>
+                <a:highlight>
+                  <a:srgbClr val="FFFFFF"/>
+                </a:highlight>
+                <a:latin typeface="Courier New" panose="02070309020205020404" pitchFamily="49" charset="0"/>
+              </a:rPr>
+              <a:t>int</a:t>
+            </a:r>
+            <a:r>
+              <a:rPr lang="en-GB" dirty="0">
+                <a:solidFill>
+                  <a:srgbClr val="000000"/>
+                </a:solidFill>
+                <a:highlight>
+                  <a:srgbClr val="FFFFFF"/>
+                </a:highlight>
+                <a:latin typeface="Courier New" panose="02070309020205020404" pitchFamily="49" charset="0"/>
+              </a:rPr>
+              <a:t> main</a:t>
+            </a:r>
+            <a:r>
+              <a:rPr lang="en-GB" b="1" dirty="0">
+                <a:solidFill>
+                  <a:srgbClr val="000080"/>
+                </a:solidFill>
+                <a:highlight>
+                  <a:srgbClr val="FFFFFF"/>
+                </a:highlight>
+                <a:latin typeface="Courier New" panose="02070309020205020404" pitchFamily="49" charset="0"/>
+              </a:rPr>
+              <a:t>(</a:t>
+            </a:r>
+            <a:r>
+              <a:rPr lang="en-GB" dirty="0">
+                <a:solidFill>
+                  <a:srgbClr val="8000FF"/>
+                </a:solidFill>
+                <a:highlight>
+                  <a:srgbClr val="FFFFFF"/>
+                </a:highlight>
+                <a:latin typeface="Courier New" panose="02070309020205020404" pitchFamily="49" charset="0"/>
+              </a:rPr>
+              <a:t>void</a:t>
+            </a:r>
+            <a:r>
+              <a:rPr lang="en-GB" b="1" dirty="0">
+                <a:solidFill>
+                  <a:srgbClr val="000080"/>
+                </a:solidFill>
+                <a:highlight>
+                  <a:srgbClr val="FFFFFF"/>
+                </a:highlight>
+                <a:latin typeface="Courier New" panose="02070309020205020404" pitchFamily="49" charset="0"/>
+              </a:rPr>
+              <a:t>){</a:t>
+            </a:r>
+            <a:endParaRPr lang="en-GB" dirty="0">
+              <a:solidFill>
+                <a:srgbClr val="000000"/>
+              </a:solidFill>
+              <a:highlight>
+                <a:srgbClr val="FFFFFF"/>
+              </a:highlight>
+              <a:latin typeface="Courier New" panose="02070309020205020404" pitchFamily="49" charset="0"/>
+            </a:endParaRPr>
+          </a:p>
+          <a:p>
+            <a:r>
+              <a:rPr lang="en-GB" dirty="0">
+                <a:solidFill>
+                  <a:srgbClr val="000000"/>
+                </a:solidFill>
+                <a:highlight>
+                  <a:srgbClr val="FFFFFF"/>
+                </a:highlight>
+                <a:latin typeface="Courier New" panose="02070309020205020404" pitchFamily="49" charset="0"/>
+              </a:rPr>
+              <a:t>  </a:t>
+            </a:r>
+          </a:p>
+          <a:p>
+            <a:r>
+              <a:rPr lang="en-GB" dirty="0">
+                <a:solidFill>
+                  <a:srgbClr val="000000"/>
+                </a:solidFill>
+                <a:highlight>
+                  <a:srgbClr val="FFFFFF"/>
+                </a:highlight>
+                <a:latin typeface="Courier New" panose="02070309020205020404" pitchFamily="49" charset="0"/>
+              </a:rPr>
+              <a:t>  Serial ser</a:t>
+            </a:r>
+            <a:r>
+              <a:rPr lang="en-GB" b="1" dirty="0">
+                <a:solidFill>
+                  <a:srgbClr val="000080"/>
+                </a:solidFill>
+                <a:highlight>
+                  <a:srgbClr val="FFFFFF"/>
+                </a:highlight>
+                <a:latin typeface="Courier New" panose="02070309020205020404" pitchFamily="49" charset="0"/>
+              </a:rPr>
+              <a:t>;</a:t>
+            </a:r>
+            <a:endParaRPr lang="en-GB" dirty="0">
+              <a:solidFill>
+                <a:srgbClr val="000000"/>
+              </a:solidFill>
+              <a:highlight>
+                <a:srgbClr val="FFFFFF"/>
+              </a:highlight>
+              <a:latin typeface="Courier New" panose="02070309020205020404" pitchFamily="49" charset="0"/>
+            </a:endParaRPr>
+          </a:p>
+          <a:p>
+            <a:r>
+              <a:rPr lang="en-GB" dirty="0">
+                <a:solidFill>
+                  <a:srgbClr val="000000"/>
+                </a:solidFill>
+                <a:highlight>
+                  <a:srgbClr val="FFFFFF"/>
+                </a:highlight>
+                <a:latin typeface="Courier New" panose="02070309020205020404" pitchFamily="49" charset="0"/>
+              </a:rPr>
+              <a:t>  </a:t>
+            </a:r>
+          </a:p>
+          <a:p>
+            <a:r>
+              <a:rPr lang="en-GB" dirty="0">
+                <a:solidFill>
+                  <a:srgbClr val="000000"/>
+                </a:solidFill>
+                <a:highlight>
+                  <a:srgbClr val="FFFFFF"/>
+                </a:highlight>
+                <a:latin typeface="Courier New" panose="02070309020205020404" pitchFamily="49" charset="0"/>
+              </a:rPr>
+              <a:t>  send</a:t>
+            </a:r>
+            <a:r>
+              <a:rPr lang="en-GB" b="1" dirty="0">
+                <a:solidFill>
+                  <a:srgbClr val="000080"/>
+                </a:solidFill>
+                <a:highlight>
+                  <a:srgbClr val="FFFFFF"/>
+                </a:highlight>
+                <a:latin typeface="Courier New" panose="02070309020205020404" pitchFamily="49" charset="0"/>
+              </a:rPr>
+              <a:t>(</a:t>
+            </a:r>
+            <a:r>
+              <a:rPr lang="en-GB" dirty="0">
+                <a:solidFill>
+                  <a:srgbClr val="000000"/>
+                </a:solidFill>
+                <a:highlight>
+                  <a:srgbClr val="FFFFFF"/>
+                </a:highlight>
+                <a:latin typeface="Courier New" panose="02070309020205020404" pitchFamily="49" charset="0"/>
+              </a:rPr>
+              <a:t>ser</a:t>
+            </a:r>
+            <a:r>
+              <a:rPr lang="en-GB" b="1" dirty="0">
+                <a:solidFill>
+                  <a:srgbClr val="000080"/>
+                </a:solidFill>
+                <a:highlight>
+                  <a:srgbClr val="FFFFFF"/>
+                </a:highlight>
+                <a:latin typeface="Courier New" panose="02070309020205020404" pitchFamily="49" charset="0"/>
+              </a:rPr>
+              <a:t>);</a:t>
+            </a:r>
+            <a:endParaRPr lang="en-GB" dirty="0">
+              <a:solidFill>
+                <a:srgbClr val="000000"/>
+              </a:solidFill>
+              <a:highlight>
+                <a:srgbClr val="FFFFFF"/>
+              </a:highlight>
+              <a:latin typeface="Courier New" panose="02070309020205020404" pitchFamily="49" charset="0"/>
+            </a:endParaRPr>
+          </a:p>
+          <a:p>
+            <a:r>
+              <a:rPr lang="en-GB" dirty="0">
+                <a:solidFill>
+                  <a:srgbClr val="000000"/>
+                </a:solidFill>
+                <a:highlight>
+                  <a:srgbClr val="FFFFFF"/>
+                </a:highlight>
+                <a:latin typeface="Courier New" panose="02070309020205020404" pitchFamily="49" charset="0"/>
+              </a:rPr>
+              <a:t>  </a:t>
+            </a:r>
+          </a:p>
+          <a:p>
+            <a:r>
+              <a:rPr lang="en-GB" dirty="0">
+                <a:solidFill>
+                  <a:srgbClr val="000000"/>
+                </a:solidFill>
+                <a:highlight>
+                  <a:srgbClr val="FFFFFF"/>
+                </a:highlight>
+                <a:latin typeface="Courier New" panose="02070309020205020404" pitchFamily="49" charset="0"/>
+              </a:rPr>
+              <a:t>  </a:t>
+            </a:r>
+            <a:r>
+              <a:rPr lang="en-GB" b="1" dirty="0">
+                <a:solidFill>
+                  <a:srgbClr val="0000FF"/>
+                </a:solidFill>
+                <a:highlight>
+                  <a:srgbClr val="FFFFFF"/>
+                </a:highlight>
+                <a:latin typeface="Courier New" panose="02070309020205020404" pitchFamily="49" charset="0"/>
+              </a:rPr>
+              <a:t>return</a:t>
+            </a:r>
+            <a:r>
+              <a:rPr lang="en-GB" dirty="0">
+                <a:solidFill>
+                  <a:srgbClr val="000000"/>
+                </a:solidFill>
+                <a:highlight>
+                  <a:srgbClr val="FFFFFF"/>
+                </a:highlight>
+                <a:latin typeface="Courier New" panose="02070309020205020404" pitchFamily="49" charset="0"/>
+              </a:rPr>
+              <a:t> </a:t>
+            </a:r>
+            <a:r>
+              <a:rPr lang="en-GB" dirty="0">
+                <a:solidFill>
+                  <a:srgbClr val="FF8000"/>
+                </a:solidFill>
+                <a:highlight>
+                  <a:srgbClr val="FFFFFF"/>
+                </a:highlight>
+                <a:latin typeface="Courier New" panose="02070309020205020404" pitchFamily="49" charset="0"/>
+              </a:rPr>
+              <a:t>1</a:t>
+            </a:r>
+            <a:r>
+              <a:rPr lang="en-GB" b="1" dirty="0">
+                <a:solidFill>
+                  <a:srgbClr val="000080"/>
+                </a:solidFill>
+                <a:highlight>
+                  <a:srgbClr val="FFFFFF"/>
+                </a:highlight>
+                <a:latin typeface="Courier New" panose="02070309020205020404" pitchFamily="49" charset="0"/>
+              </a:rPr>
+              <a:t>;</a:t>
+            </a:r>
+            <a:endParaRPr lang="en-GB" dirty="0">
+              <a:solidFill>
+                <a:srgbClr val="000000"/>
+              </a:solidFill>
+              <a:highlight>
+                <a:srgbClr val="FFFFFF"/>
+              </a:highlight>
+              <a:latin typeface="Courier New" panose="02070309020205020404" pitchFamily="49" charset="0"/>
+            </a:endParaRPr>
+          </a:p>
+          <a:p>
+            <a:r>
+              <a:rPr lang="en-GB" b="1" dirty="0">
+                <a:solidFill>
+                  <a:srgbClr val="000080"/>
+                </a:solidFill>
+                <a:highlight>
+                  <a:srgbClr val="FFFFFF"/>
+                </a:highlight>
+                <a:latin typeface="Courier New" panose="02070309020205020404" pitchFamily="49" charset="0"/>
+              </a:rPr>
+              <a:t>}</a:t>
+            </a:r>
+            <a:endParaRPr lang="en-GB" dirty="0"/>
+          </a:p>
+        </p:txBody>
+      </p:sp>
+    </p:spTree>
+    <p:extLst>
+      <p:ext uri="{BB962C8B-B14F-4D97-AF65-F5344CB8AC3E}">
+        <p14:creationId xmlns:p14="http://schemas.microsoft.com/office/powerpoint/2010/main" val="2332470375"/>
       </p:ext>
     </p:extLst>
   </p:cSld>
@@ -16266,14 +19038,14 @@
           <a:p>
             <a:r>
               <a:rPr lang="en-GB" dirty="0"/>
-              <a:t>Function Templates</a:t>
+              <a:t>Templates</a:t>
             </a:r>
           </a:p>
           <a:p>
             <a:pPr lvl="1"/>
             <a:r>
               <a:rPr lang="en-GB" sz="1800" dirty="0"/>
-              <a:t>Developing functions independent from their data types.</a:t>
+              <a:t>Developing functions or classes independent from their data types.</a:t>
             </a:r>
           </a:p>
           <a:p>
@@ -16461,14 +19233,14 @@
             <a:pPr lvl="1"/>
             <a:r>
               <a:rPr lang="en-GB" dirty="0"/>
-              <a:t>Collection of classes and templates.</a:t>
+              <a:t>Collection of containers, iterators and algorithms.</a:t>
             </a:r>
           </a:p>
           <a:p>
             <a:pPr lvl="1"/>
             <a:r>
               <a:rPr lang="en-GB" dirty="0"/>
-              <a:t>Tested and documented algorithms can be used.</a:t>
+              <a:t>Tested and documented code can be used.</a:t>
             </a:r>
           </a:p>
           <a:p>
@@ -16889,14 +19661,14 @@
             <p:ph idx="1"/>
             <p:extLst>
               <p:ext uri="{D42A27DB-BD31-4B8C-83A1-F6EECF244321}">
-                <p14:modId xmlns:p14="http://schemas.microsoft.com/office/powerpoint/2010/main" val="3163002620"/>
+                <p14:modId xmlns:p14="http://schemas.microsoft.com/office/powerpoint/2010/main" val="1420158170"/>
               </p:ext>
             </p:extLst>
           </p:nvPr>
         </p:nvGraphicFramePr>
         <p:xfrm>
           <a:off x="617538" y="1844675"/>
-          <a:ext cx="7848600" cy="3708400"/>
+          <a:ext cx="7848600" cy="3977640"/>
         </p:xfrm>
         <a:graphic>
           <a:graphicData uri="http://schemas.openxmlformats.org/drawingml/2006/table">
@@ -17479,7 +20251,7 @@
                       </a:pPr>
                       <a:r>
                         <a:rPr lang="en-GB" dirty="0"/>
-                        <a:t>Inheritance and Polymorphism</a:t>
+                        <a:t>Virtual functions and multiple inheritance</a:t>
                       </a:r>
                     </a:p>
                   </a:txBody>
@@ -18301,7 +21073,7 @@
         </p:nvSpPr>
         <p:spPr>
           <a:xfrm>
-            <a:off x="5148062" y="5236576"/>
+            <a:off x="5148062" y="5390845"/>
             <a:ext cx="270403" cy="270403"/>
           </a:xfrm>
           <a:prstGeom prst="smileyFace">
@@ -18360,7 +21132,7 @@
         </p:nvSpPr>
         <p:spPr>
           <a:xfrm>
-            <a:off x="7317118" y="5236575"/>
+            <a:off x="7317118" y="5390845"/>
             <a:ext cx="270403" cy="270403"/>
           </a:xfrm>
           <a:prstGeom prst="smileyFace">
@@ -18419,7 +21191,7 @@
         </p:nvSpPr>
         <p:spPr>
           <a:xfrm>
-            <a:off x="6948264" y="5244453"/>
+            <a:off x="6948264" y="5390845"/>
             <a:ext cx="270403" cy="270403"/>
           </a:xfrm>
           <a:prstGeom prst="smileyFace">
@@ -18478,7 +21250,7 @@
         </p:nvSpPr>
         <p:spPr>
           <a:xfrm>
-            <a:off x="7685972" y="5244453"/>
+            <a:off x="7685972" y="5390845"/>
             <a:ext cx="270403" cy="270403"/>
           </a:xfrm>
           <a:prstGeom prst="smileyFace">
@@ -18757,7 +21529,7 @@
                   <a:srgbClr val="0070C0"/>
                 </a:solidFill>
               </a:rPr>
-              <a:t>Ease of Use</a:t>
+              <a:t>Popularity of C++</a:t>
             </a:r>
           </a:p>
         </p:txBody>
@@ -18970,13 +21742,25 @@
           <a:p>
             <a:r>
               <a:rPr lang="en-GB" dirty="0" err="1">
-                <a:hlinkClick r:id="rId2"/>
+                <a:hlinkClick r:id="rId3">
+                  <a:extLst>
+                    <a:ext uri="{A12FA001-AC4F-418D-AE19-62706E023703}">
+                      <ahyp:hlinkClr xmlns:ahyp="http://schemas.microsoft.com/office/drawing/2018/hyperlinkcolor" val="tx"/>
+                    </a:ext>
+                  </a:extLst>
+                </a:hlinkClick>
               </a:rPr>
               <a:t>mbed</a:t>
             </a:r>
             <a:r>
               <a:rPr lang="en-GB" dirty="0">
-                <a:hlinkClick r:id="rId2"/>
+                <a:hlinkClick r:id="rId3">
+                  <a:extLst>
+                    <a:ext uri="{A12FA001-AC4F-418D-AE19-62706E023703}">
+                      <ahyp:hlinkClr xmlns:ahyp="http://schemas.microsoft.com/office/drawing/2018/hyperlinkcolor" val="tx"/>
+                    </a:ext>
+                  </a:extLst>
+                </a:hlinkClick>
               </a:rPr>
               <a:t>-OS</a:t>
             </a:r>
@@ -18985,7 +21769,13 @@
           <a:p>
             <a:r>
               <a:rPr lang="en-GB" dirty="0" err="1">
-                <a:hlinkClick r:id="rId3"/>
+                <a:hlinkClick r:id="rId4">
+                  <a:extLst>
+                    <a:ext uri="{A12FA001-AC4F-418D-AE19-62706E023703}">
+                      <ahyp:hlinkClr xmlns:ahyp="http://schemas.microsoft.com/office/drawing/2018/hyperlinkcolor" val="tx"/>
+                    </a:ext>
+                  </a:extLst>
+                </a:hlinkClick>
               </a:rPr>
               <a:t>distortos</a:t>
             </a:r>
@@ -18994,7 +21784,13 @@
           <a:p>
             <a:r>
               <a:rPr lang="en-GB" dirty="0" err="1">
-                <a:hlinkClick r:id="rId4"/>
+                <a:hlinkClick r:id="rId5">
+                  <a:extLst>
+                    <a:ext uri="{A12FA001-AC4F-418D-AE19-62706E023703}">
+                      <ahyp:hlinkClr xmlns:ahyp="http://schemas.microsoft.com/office/drawing/2018/hyperlinkcolor" val="tx"/>
+                    </a:ext>
+                  </a:extLst>
+                </a:hlinkClick>
               </a:rPr>
               <a:t>StratifyOS</a:t>
             </a:r>
@@ -19003,7 +21799,13 @@
           <a:p>
             <a:r>
               <a:rPr lang="en-GB" dirty="0" err="1">
-                <a:hlinkClick r:id="rId5"/>
+                <a:hlinkClick r:id="rId6">
+                  <a:extLst>
+                    <a:ext uri="{A12FA001-AC4F-418D-AE19-62706E023703}">
+                      <ahyp:hlinkClr xmlns:ahyp="http://schemas.microsoft.com/office/drawing/2018/hyperlinkcolor" val="tx"/>
+                    </a:ext>
+                  </a:extLst>
+                </a:hlinkClick>
               </a:rPr>
               <a:t>Kvasir</a:t>
             </a:r>
@@ -19012,7 +21814,13 @@
           <a:p>
             <a:r>
               <a:rPr lang="en-GB" dirty="0" err="1">
-                <a:hlinkClick r:id="rId6"/>
+                <a:hlinkClick r:id="rId7">
+                  <a:extLst>
+                    <a:ext uri="{A12FA001-AC4F-418D-AE19-62706E023703}">
+                      <ahyp:hlinkClr xmlns:ahyp="http://schemas.microsoft.com/office/drawing/2018/hyperlinkcolor" val="tx"/>
+                    </a:ext>
+                  </a:extLst>
+                </a:hlinkClick>
               </a:rPr>
               <a:t>Modm</a:t>
             </a:r>
@@ -19021,7 +21829,13 @@
           <a:p>
             <a:r>
               <a:rPr lang="de-DE" dirty="0" err="1">
-                <a:hlinkClick r:id="rId7"/>
+                <a:hlinkClick r:id="rId8">
+                  <a:extLst>
+                    <a:ext uri="{A12FA001-AC4F-418D-AE19-62706E023703}">
+                      <ahyp:hlinkClr xmlns:ahyp="http://schemas.microsoft.com/office/drawing/2018/hyperlinkcolor" val="tx"/>
+                    </a:ext>
+                  </a:extLst>
+                </a:hlinkClick>
               </a:rPr>
               <a:t>Crect</a:t>
             </a:r>
@@ -19030,13 +21844,25 @@
           <a:p>
             <a:r>
               <a:rPr lang="de-DE" dirty="0">
-                <a:hlinkClick r:id="rId8"/>
+                <a:hlinkClick r:id="rId9">
+                  <a:extLst>
+                    <a:ext uri="{A12FA001-AC4F-418D-AE19-62706E023703}">
+                      <ahyp:hlinkClr xmlns:ahyp="http://schemas.microsoft.com/office/drawing/2018/hyperlinkcolor" val="tx"/>
+                    </a:ext>
+                  </a:extLst>
+                </a:hlinkClick>
               </a:rPr>
               <a:t>EMB</a:t>
             </a:r>
             <a:r>
               <a:rPr lang="de-DE" baseline="30000" dirty="0">
-                <a:hlinkClick r:id="rId8"/>
+                <a:hlinkClick r:id="rId9">
+                  <a:extLst>
+                    <a:ext uri="{A12FA001-AC4F-418D-AE19-62706E023703}">
+                      <ahyp:hlinkClr xmlns:ahyp="http://schemas.microsoft.com/office/drawing/2018/hyperlinkcolor" val="tx"/>
+                    </a:ext>
+                  </a:extLst>
+                </a:hlinkClick>
               </a:rPr>
               <a:t>2</a:t>
             </a:r>
@@ -19134,7 +21960,7 @@
           <p:nvPr/>
         </p:nvPicPr>
         <p:blipFill>
-          <a:blip r:embed="rId9">
+          <a:blip r:embed="rId10">
             <a:extLst>
               <a:ext uri="{28A0092B-C50C-407E-A947-70E740481C1C}">
                 <a14:useLocalDpi xmlns:a14="http://schemas.microsoft.com/office/drawing/2010/main" val="0"/>
@@ -19170,13 +21996,13 @@
           <p:nvPr/>
         </p:nvPicPr>
         <p:blipFill>
-          <a:blip r:embed="rId10">
+          <a:blip r:embed="rId11">
             <a:extLst>
               <a:ext uri="{28A0092B-C50C-407E-A947-70E740481C1C}">
                 <a14:useLocalDpi xmlns:a14="http://schemas.microsoft.com/office/drawing/2010/main" val="0"/>
               </a:ext>
               <a:ext uri="{96DAC541-7B7A-43D3-8B79-37D633B846F1}">
-                <asvg:svgBlip xmlns:asvg="http://schemas.microsoft.com/office/drawing/2016/SVG/main" r:embed="rId11"/>
+                <asvg:svgBlip xmlns:asvg="http://schemas.microsoft.com/office/drawing/2016/SVG/main" r:embed="rId12"/>
               </a:ext>
             </a:extLst>
           </a:blip>
@@ -19209,7 +22035,7 @@
           <p:nvPr/>
         </p:nvPicPr>
         <p:blipFill>
-          <a:blip r:embed="rId12">
+          <a:blip r:embed="rId13">
             <a:extLst>
               <a:ext uri="{28A0092B-C50C-407E-A947-70E740481C1C}">
                 <a14:useLocalDpi xmlns:a14="http://schemas.microsoft.com/office/drawing/2010/main" val="0"/>
@@ -19245,13 +22071,13 @@
           <p:nvPr/>
         </p:nvPicPr>
         <p:blipFill>
-          <a:blip r:embed="rId13">
+          <a:blip r:embed="rId14">
             <a:extLst>
               <a:ext uri="{28A0092B-C50C-407E-A947-70E740481C1C}">
                 <a14:useLocalDpi xmlns:a14="http://schemas.microsoft.com/office/drawing/2010/main" val="0"/>
               </a:ext>
               <a:ext uri="{96DAC541-7B7A-43D3-8B79-37D633B846F1}">
-                <asvg:svgBlip xmlns:asvg="http://schemas.microsoft.com/office/drawing/2016/SVG/main" r:embed="rId14"/>
+                <asvg:svgBlip xmlns:asvg="http://schemas.microsoft.com/office/drawing/2016/SVG/main" r:embed="rId15"/>
               </a:ext>
             </a:extLst>
           </a:blip>
@@ -19284,13 +22110,13 @@
           <p:nvPr/>
         </p:nvPicPr>
         <p:blipFill>
-          <a:blip r:embed="rId15">
+          <a:blip r:embed="rId16">
             <a:extLst>
               <a:ext uri="{28A0092B-C50C-407E-A947-70E740481C1C}">
                 <a14:useLocalDpi xmlns:a14="http://schemas.microsoft.com/office/drawing/2010/main" val="0"/>
               </a:ext>
               <a:ext uri="{96DAC541-7B7A-43D3-8B79-37D633B846F1}">
-                <asvg:svgBlip xmlns:asvg="http://schemas.microsoft.com/office/drawing/2016/SVG/main" r:embed="rId16"/>
+                <asvg:svgBlip xmlns:asvg="http://schemas.microsoft.com/office/drawing/2016/SVG/main" r:embed="rId17"/>
               </a:ext>
             </a:extLst>
           </a:blip>
@@ -19343,7 +22169,7 @@
           <p:cNvPr id="2" name="Titel 1">
             <a:extLst>
               <a:ext uri="{FF2B5EF4-FFF2-40B4-BE49-F238E27FC236}">
-                <a16:creationId xmlns:a16="http://schemas.microsoft.com/office/drawing/2014/main" id="{A8992AC3-5713-4978-AA81-85FE8BE7B62A}"/>
+                <a16:creationId xmlns:a16="http://schemas.microsoft.com/office/drawing/2014/main" id="{B471E2BE-C00A-4861-B9B3-EE25ABA126E4}"/>
               </a:ext>
             </a:extLst>
           </p:cNvPr>
@@ -19365,52 +22191,103 @@
                   <a:srgbClr val="0070C0"/>
                 </a:solidFill>
               </a:rPr>
-              <a:t>Questions</a:t>
+              <a:t>Outlook</a:t>
             </a:r>
           </a:p>
         </p:txBody>
       </p:sp>
-      <p:pic>
-        <p:nvPicPr>
-          <p:cNvPr id="7" name="Inhaltsplatzhalter 6">
+      <p:sp>
+        <p:nvSpPr>
+          <p:cNvPr id="3" name="Inhaltsplatzhalter 2">
             <a:extLst>
               <a:ext uri="{FF2B5EF4-FFF2-40B4-BE49-F238E27FC236}">
-                <a16:creationId xmlns:a16="http://schemas.microsoft.com/office/drawing/2014/main" id="{28D7FB13-F038-4EB1-B470-8CC767A6FD77}"/>
+                <a16:creationId xmlns:a16="http://schemas.microsoft.com/office/drawing/2014/main" id="{B790D16C-89DE-417B-9EAD-56BCC9954C95}"/>
               </a:ext>
             </a:extLst>
           </p:cNvPr>
-          <p:cNvPicPr>
-            <a:picLocks noGrp="1" noChangeAspect="1"/>
-          </p:cNvPicPr>
+          <p:cNvSpPr>
+            <a:spLocks noGrp="1"/>
+          </p:cNvSpPr>
           <p:nvPr>
             <p:ph idx="1"/>
           </p:nvPr>
-        </p:nvPicPr>
-        <p:blipFill>
-          <a:blip r:embed="rId2">
-            <a:extLst>
-              <a:ext uri="{28A0092B-C50C-407E-A947-70E740481C1C}">
-                <a14:useLocalDpi xmlns:a14="http://schemas.microsoft.com/office/drawing/2010/main" val="0"/>
-              </a:ext>
-            </a:extLst>
-          </a:blip>
-          <a:stretch>
-            <a:fillRect/>
-          </a:stretch>
-        </p:blipFill>
-        <p:spPr>
-          <a:xfrm>
-            <a:off x="580855" y="1916832"/>
-            <a:ext cx="7848600" cy="3411738"/>
-          </a:xfrm>
-        </p:spPr>
-      </p:pic>
+        </p:nvSpPr>
+        <p:spPr/>
+        <p:txBody>
+          <a:bodyPr/>
+          <a:lstStyle/>
+          <a:p>
+            <a:r>
+              <a:rPr lang="en-GB" dirty="0"/>
+              <a:t>Compiled language</a:t>
+            </a:r>
+          </a:p>
+          <a:p>
+            <a:pPr lvl="1"/>
+            <a:r>
+              <a:rPr lang="en-GB" dirty="0"/>
+              <a:t>C </a:t>
+            </a:r>
+          </a:p>
+          <a:p>
+            <a:pPr lvl="1"/>
+            <a:r>
+              <a:rPr lang="en-GB" dirty="0"/>
+              <a:t>C++</a:t>
+            </a:r>
+          </a:p>
+          <a:p>
+            <a:r>
+              <a:rPr lang="en-GB" dirty="0"/>
+              <a:t>Interpreted language</a:t>
+            </a:r>
+          </a:p>
+          <a:p>
+            <a:pPr lvl="1"/>
+            <a:r>
+              <a:rPr lang="en-GB" dirty="0"/>
+              <a:t>Python</a:t>
+            </a:r>
+          </a:p>
+          <a:p>
+            <a:pPr lvl="1"/>
+            <a:r>
+              <a:rPr lang="en-GB" dirty="0"/>
+              <a:t>Embedded Java</a:t>
+            </a:r>
+          </a:p>
+          <a:p>
+            <a:pPr lvl="1"/>
+            <a:r>
+              <a:rPr lang="en-GB" dirty="0"/>
+              <a:t>Script languages</a:t>
+            </a:r>
+          </a:p>
+          <a:p>
+            <a:pPr lvl="2"/>
+            <a:r>
+              <a:rPr lang="en-GB" dirty="0"/>
+              <a:t>Java Script</a:t>
+            </a:r>
+          </a:p>
+          <a:p>
+            <a:pPr lvl="2"/>
+            <a:r>
+              <a:rPr lang="en-GB" dirty="0"/>
+              <a:t>NodeJS</a:t>
+            </a:r>
+          </a:p>
+          <a:p>
+            <a:endParaRPr lang="en-GB" dirty="0"/>
+          </a:p>
+        </p:txBody>
+      </p:sp>
       <p:sp>
         <p:nvSpPr>
           <p:cNvPr id="4" name="Foliennummernplatzhalter 3">
             <a:extLst>
               <a:ext uri="{FF2B5EF4-FFF2-40B4-BE49-F238E27FC236}">
-                <a16:creationId xmlns:a16="http://schemas.microsoft.com/office/drawing/2014/main" id="{A451B679-EFCC-4417-8C09-88B248F2D8DA}"/>
+                <a16:creationId xmlns:a16="http://schemas.microsoft.com/office/drawing/2014/main" id="{4C56DC91-37AC-4EA9-8167-9BF86548F25E}"/>
               </a:ext>
             </a:extLst>
           </p:cNvPr>
@@ -19451,7 +22328,7 @@
           <p:cNvPr id="5" name="Fußzeilenplatzhalter 4">
             <a:extLst>
               <a:ext uri="{FF2B5EF4-FFF2-40B4-BE49-F238E27FC236}">
-                <a16:creationId xmlns:a16="http://schemas.microsoft.com/office/drawing/2014/main" id="{0C68D4F6-4C1A-4AD2-AAAF-F10555EA4DFA}"/>
+                <a16:creationId xmlns:a16="http://schemas.microsoft.com/office/drawing/2014/main" id="{C532D5E8-05FA-437F-832F-FBFDE6E2C1A4}"/>
               </a:ext>
             </a:extLst>
           </p:cNvPr>
@@ -19480,7 +22357,7 @@
     </p:spTree>
     <p:extLst>
       <p:ext uri="{BB962C8B-B14F-4D97-AF65-F5344CB8AC3E}">
-        <p14:creationId xmlns:p14="http://schemas.microsoft.com/office/powerpoint/2010/main" val="4274635017"/>
+        <p14:creationId xmlns:p14="http://schemas.microsoft.com/office/powerpoint/2010/main" val="3219628765"/>
       </p:ext>
     </p:extLst>
   </p:cSld>
